--- a/prezentacje/prezentacja1.pptx
+++ b/prezentacje/prezentacja1.pptx
@@ -5,7 +5,7 @@
     <p:sldMasterId id="2147483648" r:id="rId1"/>
   </p:sldMasterIdLst>
   <p:notesMasterIdLst>
-    <p:notesMasterId r:id="rId13"/>
+    <p:notesMasterId r:id="rId17"/>
   </p:notesMasterIdLst>
   <p:sldIdLst>
     <p:sldId id="256" r:id="rId4"/>
@@ -17,6 +17,10 @@
     <p:sldId id="262" r:id="rId10"/>
     <p:sldId id="263" r:id="rId11"/>
     <p:sldId id="264" r:id="rId12"/>
+    <p:sldId id="265" r:id="rId13"/>
+    <p:sldId id="266" r:id="rId14"/>
+    <p:sldId id="267" r:id="rId15"/>
+    <p:sldId id="268" r:id="rId16"/>
   </p:sldIdLst>
   <p:sldSz cx="12192000" cy="6858000"/>
   <p:notesSz cx="6858000" cy="9144000"/>
@@ -582,6 +586,334 @@
 </p:notes>
 </file>
 
+<file path=ppt/notesSlides/notesSlide10.xml><?xml version="1.0" encoding="utf-8"?>
+<p:notes xmlns:a="http://schemas.openxmlformats.org/drawingml/2006/main" xmlns:r="http://schemas.openxmlformats.org/officeDocument/2006/relationships" xmlns:p="http://schemas.openxmlformats.org/presentationml/2006/main" xmlns:m="http://schemas.openxmlformats.org/officeDocument/2006/math" xmlns:w="http://schemas.openxmlformats.org/wordprocessingml/2006/main">
+  <p:cSld name="">
+    <p:spTree>
+      <p:nvGrpSpPr>
+        <p:cNvPr id="1" name=""/>
+        <p:cNvGrpSpPr/>
+        <p:nvPr/>
+      </p:nvGrpSpPr>
+      <p:grpSpPr bwMode="auto">
+        <a:xfrm>
+          <a:off x="0" y="0"/>
+          <a:ext cx="0" cy="0"/>
+          <a:chOff x="0" y="0"/>
+          <a:chExt cx="0" cy="0"/>
+        </a:xfrm>
+      </p:grpSpPr>
+      <p:sp>
+        <p:nvSpPr>
+          <p:cNvPr id="1454619600" name="Slide Image Placeholder 1"/>
+          <p:cNvSpPr>
+            <a:spLocks noChangeAspect="1" noGrp="1" noRot="1"/>
+          </p:cNvSpPr>
+          <p:nvPr>
+            <p:ph type="sldImg"/>
+          </p:nvPr>
+        </p:nvSpPr>
+        <p:spPr bwMode="auto"/>
+      </p:sp>
+      <p:sp>
+        <p:nvSpPr>
+          <p:cNvPr id="193124025" name="Notes Placeholder 2"/>
+          <p:cNvSpPr>
+            <a:spLocks noGrp="1"/>
+          </p:cNvSpPr>
+          <p:nvPr>
+            <p:ph type="body" idx="1"/>
+          </p:nvPr>
+        </p:nvSpPr>
+        <p:spPr bwMode="auto"/>
+        <p:txBody>
+          <a:bodyPr/>
+          <a:lstStyle/>
+          <a:p>
+            <a:pPr>
+              <a:defRPr/>
+            </a:pPr>
+            <a:endParaRPr/>
+          </a:p>
+        </p:txBody>
+      </p:sp>
+      <p:sp>
+        <p:nvSpPr>
+          <p:cNvPr id="1442469948" name="Slide Number Placeholder 3"/>
+          <p:cNvSpPr>
+            <a:spLocks noGrp="1"/>
+          </p:cNvSpPr>
+          <p:nvPr>
+            <p:ph type="sldNum" sz="quarter" idx="10"/>
+          </p:nvPr>
+        </p:nvSpPr>
+        <p:spPr bwMode="auto"/>
+        <p:txBody>
+          <a:bodyPr/>
+          <a:lstStyle/>
+          <a:p>
+            <a:pPr>
+              <a:defRPr/>
+            </a:pPr>
+            <a:fld id="{C81B2CD7-71A3-3712-62AB-451C8F9E226F}" type="slidenum">
+              <a:rPr/>
+              <a:t/>
+            </a:fld>
+            <a:endParaRPr/>
+          </a:p>
+        </p:txBody>
+      </p:sp>
+    </p:spTree>
+  </p:cSld>
+</p:notes>
+</file>
+
+<file path=ppt/notesSlides/notesSlide11.xml><?xml version="1.0" encoding="utf-8"?>
+<p:notes xmlns:a="http://schemas.openxmlformats.org/drawingml/2006/main" xmlns:r="http://schemas.openxmlformats.org/officeDocument/2006/relationships" xmlns:p="http://schemas.openxmlformats.org/presentationml/2006/main" xmlns:m="http://schemas.openxmlformats.org/officeDocument/2006/math" xmlns:w="http://schemas.openxmlformats.org/wordprocessingml/2006/main">
+  <p:cSld name="">
+    <p:spTree>
+      <p:nvGrpSpPr>
+        <p:cNvPr id="1" name=""/>
+        <p:cNvGrpSpPr/>
+        <p:nvPr/>
+      </p:nvGrpSpPr>
+      <p:grpSpPr bwMode="auto">
+        <a:xfrm>
+          <a:off x="0" y="0"/>
+          <a:ext cx="0" cy="0"/>
+          <a:chOff x="0" y="0"/>
+          <a:chExt cx="0" cy="0"/>
+        </a:xfrm>
+      </p:grpSpPr>
+      <p:sp>
+        <p:nvSpPr>
+          <p:cNvPr id="353292778" name="Slide Image Placeholder 1"/>
+          <p:cNvSpPr>
+            <a:spLocks noChangeAspect="1" noGrp="1" noRot="1"/>
+          </p:cNvSpPr>
+          <p:nvPr>
+            <p:ph type="sldImg"/>
+          </p:nvPr>
+        </p:nvSpPr>
+        <p:spPr bwMode="auto"/>
+      </p:sp>
+      <p:sp>
+        <p:nvSpPr>
+          <p:cNvPr id="1561165604" name="Notes Placeholder 2"/>
+          <p:cNvSpPr>
+            <a:spLocks noGrp="1"/>
+          </p:cNvSpPr>
+          <p:nvPr>
+            <p:ph type="body" idx="1"/>
+          </p:nvPr>
+        </p:nvSpPr>
+        <p:spPr bwMode="auto"/>
+        <p:txBody>
+          <a:bodyPr/>
+          <a:lstStyle/>
+          <a:p>
+            <a:pPr>
+              <a:defRPr/>
+            </a:pPr>
+            <a:endParaRPr/>
+          </a:p>
+        </p:txBody>
+      </p:sp>
+      <p:sp>
+        <p:nvSpPr>
+          <p:cNvPr id="1248622756" name="Slide Number Placeholder 3"/>
+          <p:cNvSpPr>
+            <a:spLocks noGrp="1"/>
+          </p:cNvSpPr>
+          <p:nvPr>
+            <p:ph type="sldNum" sz="quarter" idx="10"/>
+          </p:nvPr>
+        </p:nvSpPr>
+        <p:spPr bwMode="auto"/>
+        <p:txBody>
+          <a:bodyPr/>
+          <a:lstStyle/>
+          <a:p>
+            <a:pPr>
+              <a:defRPr/>
+            </a:pPr>
+            <a:fld id="{5812B7F1-F4DE-E7E3-F67D-2B16E10D4BFD}" type="slidenum">
+              <a:rPr/>
+              <a:t/>
+            </a:fld>
+            <a:endParaRPr/>
+          </a:p>
+        </p:txBody>
+      </p:sp>
+    </p:spTree>
+  </p:cSld>
+</p:notes>
+</file>
+
+<file path=ppt/notesSlides/notesSlide12.xml><?xml version="1.0" encoding="utf-8"?>
+<p:notes xmlns:a="http://schemas.openxmlformats.org/drawingml/2006/main" xmlns:r="http://schemas.openxmlformats.org/officeDocument/2006/relationships" xmlns:p="http://schemas.openxmlformats.org/presentationml/2006/main" xmlns:m="http://schemas.openxmlformats.org/officeDocument/2006/math" xmlns:w="http://schemas.openxmlformats.org/wordprocessingml/2006/main">
+  <p:cSld name="">
+    <p:spTree>
+      <p:nvGrpSpPr>
+        <p:cNvPr id="1" name=""/>
+        <p:cNvGrpSpPr/>
+        <p:nvPr/>
+      </p:nvGrpSpPr>
+      <p:grpSpPr bwMode="auto">
+        <a:xfrm>
+          <a:off x="0" y="0"/>
+          <a:ext cx="0" cy="0"/>
+          <a:chOff x="0" y="0"/>
+          <a:chExt cx="0" cy="0"/>
+        </a:xfrm>
+      </p:grpSpPr>
+      <p:sp>
+        <p:nvSpPr>
+          <p:cNvPr id="212933573" name="Slide Image Placeholder 1"/>
+          <p:cNvSpPr>
+            <a:spLocks noChangeAspect="1" noGrp="1" noRot="1"/>
+          </p:cNvSpPr>
+          <p:nvPr>
+            <p:ph type="sldImg"/>
+          </p:nvPr>
+        </p:nvSpPr>
+        <p:spPr bwMode="auto"/>
+      </p:sp>
+      <p:sp>
+        <p:nvSpPr>
+          <p:cNvPr id="1603658808" name="Notes Placeholder 2"/>
+          <p:cNvSpPr>
+            <a:spLocks noGrp="1"/>
+          </p:cNvSpPr>
+          <p:nvPr>
+            <p:ph type="body" idx="1"/>
+          </p:nvPr>
+        </p:nvSpPr>
+        <p:spPr bwMode="auto"/>
+        <p:txBody>
+          <a:bodyPr/>
+          <a:lstStyle/>
+          <a:p>
+            <a:pPr>
+              <a:defRPr/>
+            </a:pPr>
+            <a:endParaRPr/>
+          </a:p>
+        </p:txBody>
+      </p:sp>
+      <p:sp>
+        <p:nvSpPr>
+          <p:cNvPr id="766098335" name="Slide Number Placeholder 3"/>
+          <p:cNvSpPr>
+            <a:spLocks noGrp="1"/>
+          </p:cNvSpPr>
+          <p:nvPr>
+            <p:ph type="sldNum" sz="quarter" idx="10"/>
+          </p:nvPr>
+        </p:nvSpPr>
+        <p:spPr bwMode="auto"/>
+        <p:txBody>
+          <a:bodyPr/>
+          <a:lstStyle/>
+          <a:p>
+            <a:pPr>
+              <a:defRPr/>
+            </a:pPr>
+            <a:fld id="{501CFEA3-08CB-F92F-1293-534CE0D24112}" type="slidenum">
+              <a:rPr/>
+              <a:t/>
+            </a:fld>
+            <a:endParaRPr/>
+          </a:p>
+        </p:txBody>
+      </p:sp>
+    </p:spTree>
+  </p:cSld>
+</p:notes>
+</file>
+
+<file path=ppt/notesSlides/notesSlide13.xml><?xml version="1.0" encoding="utf-8"?>
+<p:notes xmlns:a="http://schemas.openxmlformats.org/drawingml/2006/main" xmlns:r="http://schemas.openxmlformats.org/officeDocument/2006/relationships" xmlns:p="http://schemas.openxmlformats.org/presentationml/2006/main" xmlns:m="http://schemas.openxmlformats.org/officeDocument/2006/math" xmlns:w="http://schemas.openxmlformats.org/wordprocessingml/2006/main">
+  <p:cSld name="">
+    <p:spTree>
+      <p:nvGrpSpPr>
+        <p:cNvPr id="1" name=""/>
+        <p:cNvGrpSpPr/>
+        <p:nvPr/>
+      </p:nvGrpSpPr>
+      <p:grpSpPr bwMode="auto">
+        <a:xfrm>
+          <a:off x="0" y="0"/>
+          <a:ext cx="0" cy="0"/>
+          <a:chOff x="0" y="0"/>
+          <a:chExt cx="0" cy="0"/>
+        </a:xfrm>
+      </p:grpSpPr>
+      <p:sp>
+        <p:nvSpPr>
+          <p:cNvPr id="565297072" name="Slide Image Placeholder 1"/>
+          <p:cNvSpPr>
+            <a:spLocks noChangeAspect="1" noGrp="1" noRot="1"/>
+          </p:cNvSpPr>
+          <p:nvPr>
+            <p:ph type="sldImg"/>
+          </p:nvPr>
+        </p:nvSpPr>
+        <p:spPr bwMode="auto"/>
+      </p:sp>
+      <p:sp>
+        <p:nvSpPr>
+          <p:cNvPr id="1379694361" name="Notes Placeholder 2"/>
+          <p:cNvSpPr>
+            <a:spLocks noGrp="1"/>
+          </p:cNvSpPr>
+          <p:nvPr>
+            <p:ph type="body" idx="1"/>
+          </p:nvPr>
+        </p:nvSpPr>
+        <p:spPr bwMode="auto"/>
+        <p:txBody>
+          <a:bodyPr/>
+          <a:lstStyle/>
+          <a:p>
+            <a:pPr>
+              <a:defRPr/>
+            </a:pPr>
+            <a:endParaRPr/>
+          </a:p>
+        </p:txBody>
+      </p:sp>
+      <p:sp>
+        <p:nvSpPr>
+          <p:cNvPr id="253093960" name="Slide Number Placeholder 3"/>
+          <p:cNvSpPr>
+            <a:spLocks noGrp="1"/>
+          </p:cNvSpPr>
+          <p:nvPr>
+            <p:ph type="sldNum" sz="quarter" idx="10"/>
+          </p:nvPr>
+        </p:nvSpPr>
+        <p:spPr bwMode="auto"/>
+        <p:txBody>
+          <a:bodyPr/>
+          <a:lstStyle/>
+          <a:p>
+            <a:pPr>
+              <a:defRPr/>
+            </a:pPr>
+            <a:fld id="{3C322A2A-8F87-1488-568C-3EBF7B2822E4}" type="slidenum">
+              <a:rPr/>
+              <a:t/>
+            </a:fld>
+            <a:endParaRPr/>
+          </a:p>
+        </p:txBody>
+      </p:sp>
+    </p:spTree>
+  </p:cSld>
+</p:notes>
+</file>
+
 <file path=ppt/notesSlides/notesSlide2.xml><?xml version="1.0" encoding="utf-8"?>
 <p:notes xmlns:a="http://schemas.openxmlformats.org/drawingml/2006/main" xmlns:r="http://schemas.openxmlformats.org/officeDocument/2006/relationships" xmlns:p="http://schemas.openxmlformats.org/presentationml/2006/main" xmlns:m="http://schemas.openxmlformats.org/officeDocument/2006/math" xmlns:w="http://schemas.openxmlformats.org/wordprocessingml/2006/main">
   <p:cSld name="">
@@ -1093,7 +1425,7 @@
       </p:grpSpPr>
       <p:sp>
         <p:nvSpPr>
-          <p:cNvPr id="565297072" name="Slide Image Placeholder 1"/>
+          <p:cNvPr id="476804667" name="Slide Image Placeholder 1"/>
           <p:cNvSpPr>
             <a:spLocks noChangeAspect="1" noGrp="1" noRot="1"/>
           </p:cNvSpPr>
@@ -1105,7 +1437,7 @@
       </p:sp>
       <p:sp>
         <p:nvSpPr>
-          <p:cNvPr id="1379694361" name="Notes Placeholder 2"/>
+          <p:cNvPr id="1383774926" name="Notes Placeholder 2"/>
           <p:cNvSpPr>
             <a:spLocks noGrp="1"/>
           </p:cNvSpPr>
@@ -1127,7 +1459,7 @@
       </p:sp>
       <p:sp>
         <p:nvSpPr>
-          <p:cNvPr id="253093960" name="Slide Number Placeholder 3"/>
+          <p:cNvPr id="1687664367" name="Slide Number Placeholder 3"/>
           <p:cNvSpPr>
             <a:spLocks noGrp="1"/>
           </p:cNvSpPr>
@@ -1143,7 +1475,7 @@
             <a:pPr>
               <a:defRPr/>
             </a:pPr>
-            <a:fld id="{3C322A2A-8F87-1488-568C-3EBF7B2822E4}" type="slidenum">
+            <a:fld id="{C8879615-BDE4-FA1E-3D09-FBC7AD540298}" type="slidenum">
               <a:rPr/>
               <a:t/>
             </a:fld>
@@ -1175,7 +1507,7 @@
       </p:grpSpPr>
       <p:sp>
         <p:nvSpPr>
-          <p:cNvPr id="476804667" name="Slide Image Placeholder 1"/>
+          <p:cNvPr id="1200766599" name="Slide Image Placeholder 1"/>
           <p:cNvSpPr>
             <a:spLocks noChangeAspect="1" noGrp="1" noRot="1"/>
           </p:cNvSpPr>
@@ -1187,7 +1519,7 @@
       </p:sp>
       <p:sp>
         <p:nvSpPr>
-          <p:cNvPr id="1383774926" name="Notes Placeholder 2"/>
+          <p:cNvPr id="1142581255" name="Notes Placeholder 2"/>
           <p:cNvSpPr>
             <a:spLocks noGrp="1"/>
           </p:cNvSpPr>
@@ -1209,7 +1541,7 @@
       </p:sp>
       <p:sp>
         <p:nvSpPr>
-          <p:cNvPr id="1687664367" name="Slide Number Placeholder 3"/>
+          <p:cNvPr id="983917406" name="Slide Number Placeholder 3"/>
           <p:cNvSpPr>
             <a:spLocks noGrp="1"/>
           </p:cNvSpPr>
@@ -1225,7 +1557,7 @@
             <a:pPr>
               <a:defRPr/>
             </a:pPr>
-            <a:fld id="{C8879615-BDE4-FA1E-3D09-FBC7AD540298}" type="slidenum">
+            <a:fld id="{5F8CC0F0-F438-AF85-BBD1-78EEEC660768}" type="slidenum">
               <a:rPr/>
               <a:t/>
             </a:fld>
@@ -4349,17 +4681,26 @@
         </p:nvSpPr>
         <p:spPr bwMode="auto">
           <a:xfrm flipH="0" flipV="0">
-            <a:off x="1523999" y="1837268"/>
+            <a:off x="1431523" y="1744792"/>
             <a:ext cx="9144000" cy="1910995"/>
           </a:xfrm>
-          <a:prstGeom prst="rect">
-            <a:avLst/>
+          <a:prstGeom prst="roundRect">
+            <a:avLst>
+              <a:gd name="adj" fmla="val 16667"/>
+            </a:avLst>
           </a:prstGeom>
           <a:solidFill>
             <a:schemeClr val="tx1">
-              <a:alpha val="99999"/>
+              <a:alpha val="63999"/>
             </a:schemeClr>
           </a:solidFill>
+          <a:ln w="12700">
+            <a:solidFill>
+              <a:srgbClr val="000000">
+                <a:alpha val="55999"/>
+              </a:srgbClr>
+            </a:solidFill>
+          </a:ln>
         </p:spPr>
         <p:txBody>
           <a:bodyPr vertOverflow="overflow" horzOverflow="overflow" vert="horz" wrap="square" lIns="91440" tIns="45720" rIns="91440" bIns="45720" numCol="1" spcCol="0" rtlCol="0" fromWordArt="0" anchor="ctr" anchorCtr="0" forceAA="0" upright="0" compatLnSpc="0">
@@ -4391,6 +4732,404 @@
                 <a:schemeClr val="bg1"/>
               </a:solidFill>
             </a:endParaRPr>
+          </a:p>
+        </p:txBody>
+      </p:sp>
+    </p:spTree>
+  </p:cSld>
+  <p:clrMapOvr>
+    <a:masterClrMapping/>
+  </p:clrMapOvr>
+  <mc:AlternateContent xmlns:mc="http://schemas.openxmlformats.org/markup-compatibility/2006">
+    <mc:Choice xmlns:p159="http://schemas.microsoft.com/office/powerpoint/2015/09/main" xmlns:p14="http://schemas.microsoft.com/office/powerpoint/2010/main" Requires="p159">
+      <p:transition p14:dur="2000" advClick="1"/>
+    </mc:Choice>
+    <mc:Fallback>
+      <p:transition advClick="1"/>
+    </mc:Fallback>
+  </mc:AlternateContent>
+</p:sld>
+</file>
+
+<file path=ppt/slides/slide10.xml><?xml version="1.0" encoding="utf-8"?>
+<p:sld xmlns:a="http://schemas.openxmlformats.org/drawingml/2006/main" xmlns:r="http://schemas.openxmlformats.org/officeDocument/2006/relationships" xmlns:p="http://schemas.openxmlformats.org/presentationml/2006/main" xmlns:m="http://schemas.openxmlformats.org/officeDocument/2006/math" xmlns:w="http://schemas.openxmlformats.org/wordprocessingml/2006/main" showMasterPhAnim="0" show="1">
+  <p:cSld name="">
+    <p:bg>
+      <p:bgPr shadeToTitle="0">
+        <a:blipFill>
+          <a:blip r:embed="rId3">
+            <a:alphaModFix amt="23000"/>
+          </a:blip>
+          <a:stretch/>
+        </a:blipFill>
+      </p:bgPr>
+    </p:bg>
+    <p:spTree>
+      <p:nvGrpSpPr>
+        <p:cNvPr id="1" name=""/>
+        <p:cNvGrpSpPr/>
+        <p:nvPr/>
+      </p:nvGrpSpPr>
+      <p:grpSpPr bwMode="auto">
+        <a:xfrm>
+          <a:off x="0" y="0"/>
+          <a:ext cx="0" cy="0"/>
+          <a:chOff x="0" y="0"/>
+          <a:chExt cx="0" cy="0"/>
+        </a:xfrm>
+      </p:grpSpPr>
+      <p:sp>
+        <p:nvSpPr>
+          <p:cNvPr id="1298441155" name="Title 1"/>
+          <p:cNvSpPr>
+            <a:spLocks noGrp="1"/>
+          </p:cNvSpPr>
+          <p:nvPr>
+            <p:ph type="title"/>
+          </p:nvPr>
+        </p:nvSpPr>
+        <p:spPr bwMode="auto"/>
+        <p:txBody>
+          <a:bodyPr/>
+          <a:lstStyle/>
+          <a:p>
+            <a:pPr>
+              <a:defRPr/>
+            </a:pPr>
+            <a:r>
+              <a:rPr/>
+              <a:t>Opcja awaryjna - terminal</a:t>
+            </a:r>
+            <a:endParaRPr/>
+          </a:p>
+        </p:txBody>
+      </p:sp>
+      <p:sp>
+        <p:nvSpPr>
+          <p:cNvPr id="1444605605" name="Content Placeholder 2"/>
+          <p:cNvSpPr>
+            <a:spLocks noGrp="1"/>
+          </p:cNvSpPr>
+          <p:nvPr>
+            <p:ph idx="1"/>
+          </p:nvPr>
+        </p:nvSpPr>
+        <p:spPr bwMode="auto"/>
+        <p:txBody>
+          <a:bodyPr/>
+          <a:lstStyle/>
+          <a:p>
+            <a:pPr>
+              <a:defRPr/>
+            </a:pPr>
+            <a:r>
+              <a:rPr/>
+              <a:t>Programy IDE są skomplikowane i łatwo można coś zepsuć</a:t>
+            </a:r>
+            <a:endParaRPr/>
+          </a:p>
+          <a:p>
+            <a:pPr>
+              <a:defRPr/>
+            </a:pPr>
+            <a:r>
+              <a:rPr/>
+              <a:t>Na maturze to byłoby niekorzystne</a:t>
+            </a:r>
+            <a:endParaRPr/>
+          </a:p>
+          <a:p>
+            <a:pPr>
+              <a:defRPr/>
+            </a:pPr>
+            <a:r>
+              <a:rPr/>
+              <a:t>W przypadku problemów z IDE, można uruchomić pythona z linii poleceń</a:t>
+            </a:r>
+            <a:endParaRPr/>
+          </a:p>
+          <a:p>
+            <a:pPr>
+              <a:defRPr/>
+            </a:pPr>
+            <a:r>
+              <a:rPr/>
+              <a:t> </a:t>
+            </a:r>
+            <a:endParaRPr/>
+          </a:p>
+        </p:txBody>
+      </p:sp>
+    </p:spTree>
+  </p:cSld>
+  <p:clrMapOvr>
+    <a:masterClrMapping/>
+  </p:clrMapOvr>
+  <mc:AlternateContent xmlns:mc="http://schemas.openxmlformats.org/markup-compatibility/2006">
+    <mc:Choice xmlns:p159="http://schemas.microsoft.com/office/powerpoint/2015/09/main" xmlns:p14="http://schemas.microsoft.com/office/powerpoint/2010/main" Requires="p159">
+      <p:transition p14:dur="2000" advClick="1"/>
+    </mc:Choice>
+    <mc:Fallback>
+      <p:transition advClick="1"/>
+    </mc:Fallback>
+  </mc:AlternateContent>
+</p:sld>
+</file>
+
+<file path=ppt/slides/slide11.xml><?xml version="1.0" encoding="utf-8"?>
+<p:sld xmlns:a="http://schemas.openxmlformats.org/drawingml/2006/main" xmlns:r="http://schemas.openxmlformats.org/officeDocument/2006/relationships" xmlns:p="http://schemas.openxmlformats.org/presentationml/2006/main" xmlns:m="http://schemas.openxmlformats.org/officeDocument/2006/math" xmlns:w="http://schemas.openxmlformats.org/wordprocessingml/2006/main" showMasterPhAnim="0" show="1">
+  <p:cSld name="">
+    <p:bg>
+      <p:bgPr shadeToTitle="0">
+        <a:blipFill>
+          <a:blip r:embed="rId3">
+            <a:alphaModFix amt="23000"/>
+          </a:blip>
+          <a:stretch/>
+        </a:blipFill>
+      </p:bgPr>
+    </p:bg>
+    <p:spTree>
+      <p:nvGrpSpPr>
+        <p:cNvPr id="1" name=""/>
+        <p:cNvGrpSpPr/>
+        <p:nvPr/>
+      </p:nvGrpSpPr>
+      <p:grpSpPr bwMode="auto">
+        <a:xfrm>
+          <a:off x="0" y="0"/>
+          <a:ext cx="0" cy="0"/>
+          <a:chOff x="0" y="0"/>
+          <a:chExt cx="0" cy="0"/>
+        </a:xfrm>
+      </p:grpSpPr>
+      <p:sp>
+        <p:nvSpPr>
+          <p:cNvPr id="700610870" name="Title 1"/>
+          <p:cNvSpPr>
+            <a:spLocks noGrp="1"/>
+          </p:cNvSpPr>
+          <p:nvPr>
+            <p:ph type="title"/>
+          </p:nvPr>
+        </p:nvSpPr>
+        <p:spPr bwMode="auto"/>
+        <p:txBody>
+          <a:bodyPr/>
+          <a:lstStyle/>
+          <a:p>
+            <a:pPr>
+              <a:defRPr/>
+            </a:pPr>
+            <a:r>
+              <a:rPr/>
+              <a:t>Debugger</a:t>
+            </a:r>
+            <a:endParaRPr/>
+          </a:p>
+        </p:txBody>
+      </p:sp>
+      <p:sp>
+        <p:nvSpPr>
+          <p:cNvPr id="1109985214" name="Content Placeholder 2"/>
+          <p:cNvSpPr>
+            <a:spLocks noGrp="1"/>
+          </p:cNvSpPr>
+          <p:nvPr>
+            <p:ph idx="1"/>
+          </p:nvPr>
+        </p:nvSpPr>
+        <p:spPr bwMode="auto"/>
+        <p:txBody>
+          <a:bodyPr/>
+          <a:lstStyle/>
+          <a:p>
+            <a:pPr>
+              <a:defRPr/>
+            </a:pPr>
+            <a:endParaRPr/>
+          </a:p>
+        </p:txBody>
+      </p:sp>
+    </p:spTree>
+  </p:cSld>
+  <p:clrMapOvr>
+    <a:masterClrMapping/>
+  </p:clrMapOvr>
+  <mc:AlternateContent xmlns:mc="http://schemas.openxmlformats.org/markup-compatibility/2006">
+    <mc:Choice xmlns:p159="http://schemas.microsoft.com/office/powerpoint/2015/09/main" xmlns:p14="http://schemas.microsoft.com/office/powerpoint/2010/main" Requires="p159">
+      <p:transition p14:dur="2000" advClick="1"/>
+    </mc:Choice>
+    <mc:Fallback>
+      <p:transition advClick="1"/>
+    </mc:Fallback>
+  </mc:AlternateContent>
+</p:sld>
+</file>
+
+<file path=ppt/slides/slide12.xml><?xml version="1.0" encoding="utf-8"?>
+<p:sld xmlns:a="http://schemas.openxmlformats.org/drawingml/2006/main" xmlns:r="http://schemas.openxmlformats.org/officeDocument/2006/relationships" xmlns:p="http://schemas.openxmlformats.org/presentationml/2006/main" xmlns:m="http://schemas.openxmlformats.org/officeDocument/2006/math" xmlns:w="http://schemas.openxmlformats.org/wordprocessingml/2006/main" showMasterPhAnim="0" show="1">
+  <p:cSld name="">
+    <p:bg>
+      <p:bgPr shadeToTitle="0">
+        <a:blipFill>
+          <a:blip r:embed="rId3">
+            <a:alphaModFix amt="23000"/>
+          </a:blip>
+          <a:stretch/>
+        </a:blipFill>
+      </p:bgPr>
+    </p:bg>
+    <p:spTree>
+      <p:nvGrpSpPr>
+        <p:cNvPr id="1" name=""/>
+        <p:cNvGrpSpPr/>
+        <p:nvPr/>
+      </p:nvGrpSpPr>
+      <p:grpSpPr bwMode="auto">
+        <a:xfrm>
+          <a:off x="0" y="0"/>
+          <a:ext cx="0" cy="0"/>
+          <a:chOff x="0" y="0"/>
+          <a:chExt cx="0" cy="0"/>
+        </a:xfrm>
+      </p:grpSpPr>
+      <p:sp>
+        <p:nvSpPr>
+          <p:cNvPr id="1654480461" name="Title 1"/>
+          <p:cNvSpPr>
+            <a:spLocks noGrp="1"/>
+          </p:cNvSpPr>
+          <p:nvPr>
+            <p:ph type="title"/>
+          </p:nvPr>
+        </p:nvSpPr>
+        <p:spPr bwMode="auto"/>
+        <p:txBody>
+          <a:bodyPr/>
+          <a:lstStyle/>
+          <a:p>
+            <a:pPr>
+              <a:defRPr/>
+            </a:pPr>
+            <a:r>
+              <a:rPr/>
+              <a:t>Bonus - Debugger w terminalu</a:t>
+            </a:r>
+            <a:endParaRPr/>
+          </a:p>
+        </p:txBody>
+      </p:sp>
+      <p:sp>
+        <p:nvSpPr>
+          <p:cNvPr id="423996534" name="Content Placeholder 2"/>
+          <p:cNvSpPr>
+            <a:spLocks noGrp="1"/>
+          </p:cNvSpPr>
+          <p:nvPr>
+            <p:ph idx="1"/>
+          </p:nvPr>
+        </p:nvSpPr>
+        <p:spPr bwMode="auto"/>
+        <p:txBody>
+          <a:bodyPr/>
+          <a:lstStyle/>
+          <a:p>
+            <a:pPr>
+              <a:defRPr/>
+            </a:pPr>
+            <a:endParaRPr/>
+          </a:p>
+        </p:txBody>
+      </p:sp>
+    </p:spTree>
+  </p:cSld>
+  <p:clrMapOvr>
+    <a:masterClrMapping/>
+  </p:clrMapOvr>
+  <mc:AlternateContent xmlns:mc="http://schemas.openxmlformats.org/markup-compatibility/2006">
+    <mc:Choice xmlns:p159="http://schemas.microsoft.com/office/powerpoint/2015/09/main" xmlns:p14="http://schemas.microsoft.com/office/powerpoint/2010/main" Requires="p159">
+      <p:transition p14:dur="2000" advClick="1"/>
+    </mc:Choice>
+    <mc:Fallback>
+      <p:transition advClick="1"/>
+    </mc:Fallback>
+  </mc:AlternateContent>
+</p:sld>
+</file>
+
+<file path=ppt/slides/slide13.xml><?xml version="1.0" encoding="utf-8"?>
+<p:sld xmlns:a="http://schemas.openxmlformats.org/drawingml/2006/main" xmlns:r="http://schemas.openxmlformats.org/officeDocument/2006/relationships" xmlns:p="http://schemas.openxmlformats.org/presentationml/2006/main" xmlns:m="http://schemas.openxmlformats.org/officeDocument/2006/math" xmlns:w="http://schemas.openxmlformats.org/wordprocessingml/2006/main" showMasterPhAnim="0" show="1">
+  <p:cSld name="">
+    <p:bg>
+      <p:bgPr shadeToTitle="0">
+        <a:blipFill>
+          <a:blip r:embed="rId3">
+            <a:alphaModFix amt="23000"/>
+          </a:blip>
+          <a:stretch/>
+        </a:blipFill>
+      </p:bgPr>
+    </p:bg>
+    <p:spTree>
+      <p:nvGrpSpPr>
+        <p:cNvPr id="1" name=""/>
+        <p:cNvGrpSpPr/>
+        <p:nvPr/>
+      </p:nvGrpSpPr>
+      <p:grpSpPr bwMode="auto">
+        <a:xfrm>
+          <a:off x="0" y="0"/>
+          <a:ext cx="0" cy="0"/>
+          <a:chOff x="0" y="0"/>
+          <a:chExt cx="0" cy="0"/>
+        </a:xfrm>
+      </p:grpSpPr>
+      <p:sp>
+        <p:nvSpPr>
+          <p:cNvPr id="216266077" name="Title 1"/>
+          <p:cNvSpPr>
+            <a:spLocks noGrp="1"/>
+          </p:cNvSpPr>
+          <p:nvPr>
+            <p:ph type="title"/>
+          </p:nvPr>
+        </p:nvSpPr>
+        <p:spPr bwMode="auto"/>
+        <p:txBody>
+          <a:bodyPr/>
+          <a:lstStyle/>
+          <a:p>
+            <a:pPr>
+              <a:defRPr/>
+            </a:pPr>
+            <a:r>
+              <a:rPr/>
+              <a:t>Powszechne Błędy</a:t>
+            </a:r>
+            <a:endParaRPr/>
+          </a:p>
+        </p:txBody>
+      </p:sp>
+      <p:sp>
+        <p:nvSpPr>
+          <p:cNvPr id="266583412" name="Content Placeholder 2"/>
+          <p:cNvSpPr>
+            <a:spLocks noGrp="1"/>
+          </p:cNvSpPr>
+          <p:nvPr>
+            <p:ph idx="1"/>
+          </p:nvPr>
+        </p:nvSpPr>
+        <p:spPr bwMode="auto"/>
+        <p:txBody>
+          <a:bodyPr/>
+          <a:lstStyle/>
+          <a:p>
+            <a:pPr>
+              <a:defRPr/>
+            </a:pPr>
+            <a:endParaRPr/>
           </a:p>
         </p:txBody>
       </p:sp>
@@ -5042,7 +5781,9 @@
         </p:nvSpPr>
         <p:spPr bwMode="auto"/>
         <p:txBody>
-          <a:bodyPr/>
+          <a:bodyPr vertOverflow="overflow" horzOverflow="overflow" vert="horz" wrap="square" lIns="91440" tIns="45720" rIns="91440" bIns="45720" numCol="1" spcCol="0" rtlCol="0" fromWordArt="0" anchor="t" anchorCtr="0" forceAA="0" upright="0" compatLnSpc="0">
+            <a:normAutofit fontScale="95000" lnSpcReduction="1000"/>
+          </a:bodyPr>
           <a:lstStyle/>
           <a:p>
             <a:pPr>
@@ -5078,6 +5819,16 @@
             <a:pPr lvl="1">
               <a:defRPr/>
             </a:pPr>
+            <a:r>
+              <a:rPr/>
+              <a:t>(Oczywiście zawsze można działać w terminalu)</a:t>
+            </a:r>
+            <a:endParaRPr/>
+          </a:p>
+          <a:p>
+            <a:pPr lvl="1">
+              <a:defRPr/>
+            </a:pPr>
             <a:endParaRPr/>
           </a:p>
           <a:p>
@@ -5107,6 +5858,16 @@
             <a:r>
               <a:rPr/>
               <a:t>PyCharm to pełnoprawne środowisko programistyczne z debuggerem, sprawdzaniem błędów, inspektorem zmiennych itd...</a:t>
+            </a:r>
+            <a:endParaRPr/>
+          </a:p>
+          <a:p>
+            <a:pPr lvl="1">
+              <a:defRPr/>
+            </a:pPr>
+            <a:r>
+              <a:rPr/>
+              <a:t>Do tego działą na każdym systemie operacyjnym</a:t>
             </a:r>
             <a:endParaRPr/>
           </a:p>
@@ -5211,28 +5972,81 @@
             </a:pPr>
             <a:r>
               <a:rPr/>
-              <a:t>Tworzymy nowy folder</a:t>
-            </a:r>
-            <a:endParaRPr/>
-          </a:p>
-          <a:p>
-            <a:pPr>
-              <a:defRPr/>
-            </a:pPr>
-            <a:r>
-              <a:rPr/>
-              <a:t>Uruchamiamy PyCharm</a:t>
-            </a:r>
-            <a:endParaRPr/>
-          </a:p>
-          <a:p>
-            <a:pPr>
-              <a:defRPr/>
-            </a:pPr>
-            <a:endParaRPr/>
-          </a:p>
-        </p:txBody>
-      </p:sp>
+              <a:t>Stwórz nowy folder</a:t>
+            </a:r>
+            <a:endParaRPr/>
+          </a:p>
+          <a:p>
+            <a:pPr>
+              <a:defRPr/>
+            </a:pPr>
+            <a:r>
+              <a:rPr/>
+              <a:t>Uruchom</a:t>
+            </a:r>
+            <a:r>
+              <a:rPr/>
+              <a:t> PyCharm</a:t>
+            </a:r>
+            <a:endParaRPr/>
+          </a:p>
+          <a:p>
+            <a:pPr>
+              <a:defRPr/>
+            </a:pPr>
+            <a:r>
+              <a:rPr/>
+              <a:t>W zakładce „Projects” wybierz</a:t>
+            </a:r>
+            <a:br>
+              <a:rPr/>
+            </a:br>
+            <a:r>
+              <a:rPr/>
+              <a:t>opcję „Open”</a:t>
+            </a:r>
+            <a:endParaRPr/>
+          </a:p>
+          <a:p>
+            <a:pPr>
+              <a:defRPr/>
+            </a:pPr>
+            <a:r>
+              <a:rPr/>
+              <a:t>Wybierz utworzony wcześniej folder</a:t>
+            </a:r>
+            <a:endParaRPr/>
+          </a:p>
+          <a:p>
+            <a:pPr>
+              <a:defRPr/>
+            </a:pPr>
+            <a:endParaRPr/>
+          </a:p>
+        </p:txBody>
+      </p:sp>
+      <p:pic>
+        <p:nvPicPr>
+          <p:cNvPr id="1003092640" name=""/>
+          <p:cNvPicPr>
+            <a:picLocks noChangeAspect="1"/>
+          </p:cNvPicPr>
+          <p:nvPr/>
+        </p:nvPicPr>
+        <p:blipFill>
+          <a:blip r:embed="rId4"/>
+          <a:stretch/>
+        </p:blipFill>
+        <p:spPr bwMode="auto">
+          <a:xfrm flipH="0" flipV="0">
+            <a:off x="6899635" y="1904999"/>
+            <a:ext cx="5165024" cy="3780974"/>
+          </a:xfrm>
+          <a:prstGeom prst="rect">
+            <a:avLst/>
+          </a:prstGeom>
+        </p:spPr>
+      </p:pic>
     </p:spTree>
   </p:cSld>
   <p:clrMapOvr>
@@ -5278,7 +6092,7 @@
       </p:grpSpPr>
       <p:sp>
         <p:nvSpPr>
-          <p:cNvPr id="216266077" name="Title 1"/>
+          <p:cNvPr id="1350440836" name="Title 1"/>
           <p:cNvSpPr>
             <a:spLocks noGrp="1"/>
           </p:cNvSpPr>
@@ -5294,13 +6108,17 @@
             <a:pPr>
               <a:defRPr/>
             </a:pPr>
-            <a:endParaRPr/>
-          </a:p>
-        </p:txBody>
-      </p:sp>
-      <p:sp>
-        <p:nvSpPr>
-          <p:cNvPr id="266583412" name="Content Placeholder 2"/>
+            <a:r>
+              <a:rPr/>
+              <a:t>Utworzenie pliku</a:t>
+            </a:r>
+            <a:endParaRPr/>
+          </a:p>
+        </p:txBody>
+      </p:sp>
+      <p:sp>
+        <p:nvSpPr>
+          <p:cNvPr id="316274390" name="Content Placeholder 2"/>
           <p:cNvSpPr>
             <a:spLocks noGrp="1"/>
           </p:cNvSpPr>
@@ -5316,10 +6134,78 @@
             <a:pPr>
               <a:defRPr/>
             </a:pPr>
-            <a:endParaRPr/>
-          </a:p>
-        </p:txBody>
-      </p:sp>
+            <a:r>
+              <a:rPr/>
+              <a:t>Kliknij PPM na nazwę docelowego folderu</a:t>
+            </a:r>
+            <a:endParaRPr/>
+          </a:p>
+          <a:p>
+            <a:pPr>
+              <a:defRPr/>
+            </a:pPr>
+            <a:r>
+              <a:rPr/>
+              <a:t>Z rozwijanej listy wybierz New&gt;Python File</a:t>
+            </a:r>
+            <a:endParaRPr/>
+          </a:p>
+          <a:p>
+            <a:pPr>
+              <a:defRPr/>
+            </a:pPr>
+            <a:r>
+              <a:rPr/>
+              <a:t>Pojawi się okienko - podaj tam nazwę nowego pliku</a:t>
+            </a:r>
+            <a:endParaRPr/>
+          </a:p>
+        </p:txBody>
+      </p:sp>
+      <p:pic>
+        <p:nvPicPr>
+          <p:cNvPr id="847951795" name=""/>
+          <p:cNvPicPr>
+            <a:picLocks noChangeAspect="1"/>
+          </p:cNvPicPr>
+          <p:nvPr/>
+        </p:nvPicPr>
+        <p:blipFill>
+          <a:blip r:embed="rId4"/>
+          <a:stretch/>
+        </p:blipFill>
+        <p:spPr bwMode="auto">
+          <a:xfrm flipH="0" flipV="0">
+            <a:off x="405228" y="3429000"/>
+            <a:ext cx="6846532" cy="3379617"/>
+          </a:xfrm>
+          <a:prstGeom prst="rect">
+            <a:avLst/>
+          </a:prstGeom>
+        </p:spPr>
+      </p:pic>
+      <p:pic>
+        <p:nvPicPr>
+          <p:cNvPr id="112084054" name=""/>
+          <p:cNvPicPr>
+            <a:picLocks noChangeAspect="1"/>
+          </p:cNvPicPr>
+          <p:nvPr/>
+        </p:nvPicPr>
+        <p:blipFill>
+          <a:blip r:embed="rId5"/>
+          <a:stretch/>
+        </p:blipFill>
+        <p:spPr bwMode="auto">
+          <a:xfrm flipH="0" flipV="0">
+            <a:off x="7628672" y="3791504"/>
+            <a:ext cx="3908691" cy="1949295"/>
+          </a:xfrm>
+          <a:prstGeom prst="rect">
+            <a:avLst/>
+          </a:prstGeom>
+        </p:spPr>
+      </p:pic>
     </p:spTree>
   </p:cSld>
   <p:clrMapOvr>
@@ -5365,7 +6251,7 @@
       </p:grpSpPr>
       <p:sp>
         <p:nvSpPr>
-          <p:cNvPr id="1350440836" name="Title 1"/>
+          <p:cNvPr id="1953537341" name="Title 1"/>
           <p:cNvSpPr>
             <a:spLocks noGrp="1"/>
           </p:cNvSpPr>
@@ -5381,13 +6267,17 @@
             <a:pPr>
               <a:defRPr/>
             </a:pPr>
-            <a:endParaRPr/>
-          </a:p>
-        </p:txBody>
-      </p:sp>
-      <p:sp>
-        <p:nvSpPr>
-          <p:cNvPr id="316274390" name="Content Placeholder 2"/>
+            <a:r>
+              <a:rPr/>
+              <a:t>Uruchomienie</a:t>
+            </a:r>
+            <a:endParaRPr/>
+          </a:p>
+        </p:txBody>
+      </p:sp>
+      <p:sp>
+        <p:nvSpPr>
+          <p:cNvPr id="65556983" name="Content Placeholder 2"/>
           <p:cNvSpPr>
             <a:spLocks noGrp="1"/>
           </p:cNvSpPr>
@@ -5403,6 +6293,144 @@
             <a:pPr>
               <a:defRPr/>
             </a:pPr>
+            <a:r>
+              <a:rPr/>
+              <a:t>Kliknij dwukrotnie na plik, który chcesz uruchomić. Powinien się on podświetlić, a jego treść wyświetli się w edytorze</a:t>
+            </a:r>
+            <a:endParaRPr/>
+          </a:p>
+          <a:p>
+            <a:pPr>
+              <a:defRPr/>
+            </a:pPr>
+            <a:r>
+              <a:rPr/>
+              <a:t>Kliknij na zielony przycisk „play” w prawym górnym rogu ekranu</a:t>
+            </a:r>
+            <a:endParaRPr/>
+          </a:p>
+          <a:p>
+            <a:pPr>
+              <a:defRPr/>
+            </a:pPr>
+            <a:r>
+              <a:rPr/>
+              <a:t>Wynik działania programu pojawi się w terminalu na dole</a:t>
+            </a:r>
+            <a:endParaRPr/>
+          </a:p>
+          <a:p>
+            <a:pPr>
+              <a:defRPr/>
+            </a:pPr>
+            <a:endParaRPr/>
+          </a:p>
+        </p:txBody>
+      </p:sp>
+      <p:pic>
+        <p:nvPicPr>
+          <p:cNvPr id="1798854177" name=""/>
+          <p:cNvPicPr>
+            <a:picLocks noChangeAspect="1"/>
+          </p:cNvPicPr>
+          <p:nvPr/>
+        </p:nvPicPr>
+        <p:blipFill>
+          <a:blip r:embed="rId4"/>
+          <a:stretch/>
+        </p:blipFill>
+        <p:spPr bwMode="auto">
+          <a:xfrm>
+            <a:off x="758300" y="4143845"/>
+            <a:ext cx="4619624" cy="1895474"/>
+          </a:xfrm>
+          <a:prstGeom prst="rect">
+            <a:avLst/>
+          </a:prstGeom>
+        </p:spPr>
+      </p:pic>
+      <p:sp>
+        <p:nvSpPr>
+          <p:cNvPr id="939339095" name=""/>
+          <p:cNvSpPr txBox="1"/>
+          <p:nvPr/>
+        </p:nvSpPr>
+        <p:spPr bwMode="auto">
+          <a:xfrm flipH="0" flipV="0">
+            <a:off x="758300" y="6039320"/>
+            <a:ext cx="4406751" cy="518519"/>
+          </a:xfrm>
+          <a:prstGeom prst="rect">
+            <a:avLst/>
+          </a:prstGeom>
+          <a:noFill/>
+        </p:spPr>
+        <p:txBody>
+          <a:bodyPr vertOverflow="overflow" horzOverflow="overflow" vert="horz" wrap="square" lIns="91440" tIns="45720" rIns="91440" bIns="45720" numCol="1" spcCol="0" rtlCol="0" fromWordArt="0" anchor="t" anchorCtr="0" forceAA="0" upright="0" compatLnSpc="0">
+            <a:spAutoFit/>
+          </a:bodyPr>
+          <a:p>
+            <a:pPr algn="ctr">
+              <a:defRPr/>
+            </a:pPr>
+            <a:r>
+              <a:rPr sz="1400"/>
+              <a:t>U mnie jest zielony, ponieważ dodałem ten plik do repozytorium git. U was nazwa będzie biała.</a:t>
+            </a:r>
+            <a:endParaRPr/>
+          </a:p>
+        </p:txBody>
+      </p:sp>
+      <p:pic>
+        <p:nvPicPr>
+          <p:cNvPr id="299405978" name=""/>
+          <p:cNvPicPr>
+            <a:picLocks noChangeAspect="1"/>
+          </p:cNvPicPr>
+          <p:nvPr/>
+        </p:nvPicPr>
+        <p:blipFill>
+          <a:blip r:embed="rId5"/>
+          <a:stretch/>
+        </p:blipFill>
+        <p:spPr bwMode="auto">
+          <a:xfrm>
+            <a:off x="5923050" y="4001293"/>
+            <a:ext cx="5286375" cy="1990724"/>
+          </a:xfrm>
+          <a:prstGeom prst="rect">
+            <a:avLst/>
+          </a:prstGeom>
+        </p:spPr>
+      </p:pic>
+      <p:sp>
+        <p:nvSpPr>
+          <p:cNvPr id="813904429" name=""/>
+          <p:cNvSpPr txBox="1"/>
+          <p:nvPr/>
+        </p:nvSpPr>
+        <p:spPr bwMode="auto">
+          <a:xfrm flipH="0" flipV="0">
+            <a:off x="6909603" y="6039320"/>
+            <a:ext cx="3313269" cy="518519"/>
+          </a:xfrm>
+          <a:prstGeom prst="rect">
+            <a:avLst/>
+          </a:prstGeom>
+          <a:noFill/>
+        </p:spPr>
+        <p:txBody>
+          <a:bodyPr vertOverflow="overflow" horzOverflow="overflow" vert="horz" wrap="square" lIns="91440" tIns="45720" rIns="91440" bIns="45720" numCol="1" spcCol="0" rtlCol="0" fromWordArt="0" anchor="t" anchorCtr="0" forceAA="0" upright="0" compatLnSpc="0">
+            <a:spAutoFit/>
+          </a:bodyPr>
+          <a:p>
+            <a:pPr algn="ctr">
+              <a:defRPr/>
+            </a:pPr>
+            <a:r>
+              <a:rPr sz="1400"/>
+              <a:t>„Current file” oznacza, że odpalony zostanie plik, który jest obecnie otwarty</a:t>
+            </a:r>
             <a:endParaRPr/>
           </a:p>
         </p:txBody>

--- a/prezentacje/prezentacja1.pptx
+++ b/prezentacje/prezentacja1.pptx
@@ -5,7 +5,7 @@
     <p:sldMasterId id="2147483648" r:id="rId1"/>
   </p:sldMasterIdLst>
   <p:notesMasterIdLst>
-    <p:notesMasterId r:id="rId17"/>
+    <p:notesMasterId r:id="rId23"/>
   </p:notesMasterIdLst>
   <p:sldIdLst>
     <p:sldId id="256" r:id="rId4"/>
@@ -21,6 +21,12 @@
     <p:sldId id="266" r:id="rId14"/>
     <p:sldId id="267" r:id="rId15"/>
     <p:sldId id="268" r:id="rId16"/>
+    <p:sldId id="269" r:id="rId17"/>
+    <p:sldId id="270" r:id="rId18"/>
+    <p:sldId id="271" r:id="rId19"/>
+    <p:sldId id="272" r:id="rId20"/>
+    <p:sldId id="273" r:id="rId21"/>
+    <p:sldId id="274" r:id="rId22"/>
   </p:sldIdLst>
   <p:sldSz cx="12192000" cy="6858000"/>
   <p:notesSz cx="6858000" cy="9144000"/>
@@ -687,7 +693,7 @@
       </p:grpSpPr>
       <p:sp>
         <p:nvSpPr>
-          <p:cNvPr id="353292778" name="Slide Image Placeholder 1"/>
+          <p:cNvPr id="606275340" name="Slide Image Placeholder 1"/>
           <p:cNvSpPr>
             <a:spLocks noChangeAspect="1" noGrp="1" noRot="1"/>
           </p:cNvSpPr>
@@ -699,7 +705,7 @@
       </p:sp>
       <p:sp>
         <p:nvSpPr>
-          <p:cNvPr id="1561165604" name="Notes Placeholder 2"/>
+          <p:cNvPr id="220051128" name="Notes Placeholder 2"/>
           <p:cNvSpPr>
             <a:spLocks noGrp="1"/>
           </p:cNvSpPr>
@@ -721,7 +727,7 @@
       </p:sp>
       <p:sp>
         <p:nvSpPr>
-          <p:cNvPr id="1248622756" name="Slide Number Placeholder 3"/>
+          <p:cNvPr id="1327759700" name="Slide Number Placeholder 3"/>
           <p:cNvSpPr>
             <a:spLocks noGrp="1"/>
           </p:cNvSpPr>
@@ -737,7 +743,7 @@
             <a:pPr>
               <a:defRPr/>
             </a:pPr>
-            <a:fld id="{5812B7F1-F4DE-E7E3-F67D-2B16E10D4BFD}" type="slidenum">
+            <a:fld id="{931E79F5-1903-8223-84EC-5798AE3AD582}" type="slidenum">
               <a:rPr/>
               <a:t/>
             </a:fld>
@@ -769,7 +775,7 @@
       </p:grpSpPr>
       <p:sp>
         <p:nvSpPr>
-          <p:cNvPr id="212933573" name="Slide Image Placeholder 1"/>
+          <p:cNvPr id="353292778" name="Slide Image Placeholder 1"/>
           <p:cNvSpPr>
             <a:spLocks noChangeAspect="1" noGrp="1" noRot="1"/>
           </p:cNvSpPr>
@@ -781,7 +787,7 @@
       </p:sp>
       <p:sp>
         <p:nvSpPr>
-          <p:cNvPr id="1603658808" name="Notes Placeholder 2"/>
+          <p:cNvPr id="1561165604" name="Notes Placeholder 2"/>
           <p:cNvSpPr>
             <a:spLocks noGrp="1"/>
           </p:cNvSpPr>
@@ -803,7 +809,7 @@
       </p:sp>
       <p:sp>
         <p:nvSpPr>
-          <p:cNvPr id="766098335" name="Slide Number Placeholder 3"/>
+          <p:cNvPr id="1248622756" name="Slide Number Placeholder 3"/>
           <p:cNvSpPr>
             <a:spLocks noGrp="1"/>
           </p:cNvSpPr>
@@ -819,7 +825,7 @@
             <a:pPr>
               <a:defRPr/>
             </a:pPr>
-            <a:fld id="{501CFEA3-08CB-F92F-1293-534CE0D24112}" type="slidenum">
+            <a:fld id="{5812B7F1-F4DE-E7E3-F67D-2B16E10D4BFD}" type="slidenum">
               <a:rPr/>
               <a:t/>
             </a:fld>
@@ -851,7 +857,7 @@
       </p:grpSpPr>
       <p:sp>
         <p:nvSpPr>
-          <p:cNvPr id="565297072" name="Slide Image Placeholder 1"/>
+          <p:cNvPr id="1554264266" name="Slide Image Placeholder 1"/>
           <p:cNvSpPr>
             <a:spLocks noChangeAspect="1" noGrp="1" noRot="1"/>
           </p:cNvSpPr>
@@ -863,7 +869,7 @@
       </p:sp>
       <p:sp>
         <p:nvSpPr>
-          <p:cNvPr id="1379694361" name="Notes Placeholder 2"/>
+          <p:cNvPr id="910622919" name="Notes Placeholder 2"/>
           <p:cNvSpPr>
             <a:spLocks noGrp="1"/>
           </p:cNvSpPr>
@@ -885,7 +891,7 @@
       </p:sp>
       <p:sp>
         <p:nvSpPr>
-          <p:cNvPr id="253093960" name="Slide Number Placeholder 3"/>
+          <p:cNvPr id="103734927" name="Slide Number Placeholder 3"/>
           <p:cNvSpPr>
             <a:spLocks noGrp="1"/>
           </p:cNvSpPr>
@@ -901,7 +907,499 @@
             <a:pPr>
               <a:defRPr/>
             </a:pPr>
-            <a:fld id="{3C322A2A-8F87-1488-568C-3EBF7B2822E4}" type="slidenum">
+            <a:fld id="{D1FC1047-FC67-2EE8-637A-1F348530A599}" type="slidenum">
+              <a:rPr/>
+              <a:t/>
+            </a:fld>
+            <a:endParaRPr/>
+          </a:p>
+        </p:txBody>
+      </p:sp>
+    </p:spTree>
+  </p:cSld>
+</p:notes>
+</file>
+
+<file path=ppt/notesSlides/notesSlide14.xml><?xml version="1.0" encoding="utf-8"?>
+<p:notes xmlns:a="http://schemas.openxmlformats.org/drawingml/2006/main" xmlns:r="http://schemas.openxmlformats.org/officeDocument/2006/relationships" xmlns:p="http://schemas.openxmlformats.org/presentationml/2006/main" xmlns:m="http://schemas.openxmlformats.org/officeDocument/2006/math" xmlns:w="http://schemas.openxmlformats.org/wordprocessingml/2006/main">
+  <p:cSld name="">
+    <p:spTree>
+      <p:nvGrpSpPr>
+        <p:cNvPr id="1" name=""/>
+        <p:cNvGrpSpPr/>
+        <p:nvPr/>
+      </p:nvGrpSpPr>
+      <p:grpSpPr bwMode="auto">
+        <a:xfrm>
+          <a:off x="0" y="0"/>
+          <a:ext cx="0" cy="0"/>
+          <a:chOff x="0" y="0"/>
+          <a:chExt cx="0" cy="0"/>
+        </a:xfrm>
+      </p:grpSpPr>
+      <p:sp>
+        <p:nvSpPr>
+          <p:cNvPr id="2022410385" name="Slide Image Placeholder 1"/>
+          <p:cNvSpPr>
+            <a:spLocks noChangeAspect="1" noGrp="1" noRot="1"/>
+          </p:cNvSpPr>
+          <p:nvPr>
+            <p:ph type="sldImg"/>
+          </p:nvPr>
+        </p:nvSpPr>
+        <p:spPr bwMode="auto"/>
+      </p:sp>
+      <p:sp>
+        <p:nvSpPr>
+          <p:cNvPr id="987251471" name="Notes Placeholder 2"/>
+          <p:cNvSpPr>
+            <a:spLocks noGrp="1"/>
+          </p:cNvSpPr>
+          <p:nvPr>
+            <p:ph type="body" idx="1"/>
+          </p:nvPr>
+        </p:nvSpPr>
+        <p:spPr bwMode="auto"/>
+        <p:txBody>
+          <a:bodyPr/>
+          <a:lstStyle/>
+          <a:p>
+            <a:pPr>
+              <a:defRPr/>
+            </a:pPr>
+            <a:endParaRPr/>
+          </a:p>
+        </p:txBody>
+      </p:sp>
+      <p:sp>
+        <p:nvSpPr>
+          <p:cNvPr id="967412250" name="Slide Number Placeholder 3"/>
+          <p:cNvSpPr>
+            <a:spLocks noGrp="1"/>
+          </p:cNvSpPr>
+          <p:nvPr>
+            <p:ph type="sldNum" sz="quarter" idx="10"/>
+          </p:nvPr>
+        </p:nvSpPr>
+        <p:spPr bwMode="auto"/>
+        <p:txBody>
+          <a:bodyPr/>
+          <a:lstStyle/>
+          <a:p>
+            <a:pPr>
+              <a:defRPr/>
+            </a:pPr>
+            <a:fld id="{CD5C850F-BD15-485A-26A7-27D02E23F307}" type="slidenum">
+              <a:rPr/>
+              <a:t/>
+            </a:fld>
+            <a:endParaRPr/>
+          </a:p>
+        </p:txBody>
+      </p:sp>
+    </p:spTree>
+  </p:cSld>
+</p:notes>
+</file>
+
+<file path=ppt/notesSlides/notesSlide15.xml><?xml version="1.0" encoding="utf-8"?>
+<p:notes xmlns:a="http://schemas.openxmlformats.org/drawingml/2006/main" xmlns:r="http://schemas.openxmlformats.org/officeDocument/2006/relationships" xmlns:p="http://schemas.openxmlformats.org/presentationml/2006/main" xmlns:m="http://schemas.openxmlformats.org/officeDocument/2006/math" xmlns:w="http://schemas.openxmlformats.org/wordprocessingml/2006/main">
+  <p:cSld name="">
+    <p:spTree>
+      <p:nvGrpSpPr>
+        <p:cNvPr id="1" name=""/>
+        <p:cNvGrpSpPr/>
+        <p:nvPr/>
+      </p:nvGrpSpPr>
+      <p:grpSpPr bwMode="auto">
+        <a:xfrm>
+          <a:off x="0" y="0"/>
+          <a:ext cx="0" cy="0"/>
+          <a:chOff x="0" y="0"/>
+          <a:chExt cx="0" cy="0"/>
+        </a:xfrm>
+      </p:grpSpPr>
+      <p:sp>
+        <p:nvSpPr>
+          <p:cNvPr id="2069101276" name="Slide Image Placeholder 1"/>
+          <p:cNvSpPr>
+            <a:spLocks noChangeAspect="1" noGrp="1" noRot="1"/>
+          </p:cNvSpPr>
+          <p:nvPr>
+            <p:ph type="sldImg"/>
+          </p:nvPr>
+        </p:nvSpPr>
+        <p:spPr bwMode="auto"/>
+      </p:sp>
+      <p:sp>
+        <p:nvSpPr>
+          <p:cNvPr id="1705030535" name="Notes Placeholder 2"/>
+          <p:cNvSpPr>
+            <a:spLocks noGrp="1"/>
+          </p:cNvSpPr>
+          <p:nvPr>
+            <p:ph type="body" idx="1"/>
+          </p:nvPr>
+        </p:nvSpPr>
+        <p:spPr bwMode="auto"/>
+        <p:txBody>
+          <a:bodyPr/>
+          <a:lstStyle/>
+          <a:p>
+            <a:pPr>
+              <a:defRPr/>
+            </a:pPr>
+            <a:endParaRPr/>
+          </a:p>
+        </p:txBody>
+      </p:sp>
+      <p:sp>
+        <p:nvSpPr>
+          <p:cNvPr id="1449601011" name="Slide Number Placeholder 3"/>
+          <p:cNvSpPr>
+            <a:spLocks noGrp="1"/>
+          </p:cNvSpPr>
+          <p:nvPr>
+            <p:ph type="sldNum" sz="quarter" idx="10"/>
+          </p:nvPr>
+        </p:nvSpPr>
+        <p:spPr bwMode="auto"/>
+        <p:txBody>
+          <a:bodyPr/>
+          <a:lstStyle/>
+          <a:p>
+            <a:pPr>
+              <a:defRPr/>
+            </a:pPr>
+            <a:fld id="{48D38A49-BD45-9E1B-F18B-B3D88E214163}" type="slidenum">
+              <a:rPr/>
+              <a:t/>
+            </a:fld>
+            <a:endParaRPr/>
+          </a:p>
+        </p:txBody>
+      </p:sp>
+    </p:spTree>
+  </p:cSld>
+</p:notes>
+</file>
+
+<file path=ppt/notesSlides/notesSlide16.xml><?xml version="1.0" encoding="utf-8"?>
+<p:notes xmlns:a="http://schemas.openxmlformats.org/drawingml/2006/main" xmlns:r="http://schemas.openxmlformats.org/officeDocument/2006/relationships" xmlns:p="http://schemas.openxmlformats.org/presentationml/2006/main" xmlns:m="http://schemas.openxmlformats.org/officeDocument/2006/math" xmlns:w="http://schemas.openxmlformats.org/wordprocessingml/2006/main">
+  <p:cSld name="">
+    <p:spTree>
+      <p:nvGrpSpPr>
+        <p:cNvPr id="1" name=""/>
+        <p:cNvGrpSpPr/>
+        <p:nvPr/>
+      </p:nvGrpSpPr>
+      <p:grpSpPr bwMode="auto">
+        <a:xfrm>
+          <a:off x="0" y="0"/>
+          <a:ext cx="0" cy="0"/>
+          <a:chOff x="0" y="0"/>
+          <a:chExt cx="0" cy="0"/>
+        </a:xfrm>
+      </p:grpSpPr>
+      <p:sp>
+        <p:nvSpPr>
+          <p:cNvPr id="804764415" name="Slide Image Placeholder 1"/>
+          <p:cNvSpPr>
+            <a:spLocks noChangeAspect="1" noGrp="1" noRot="1"/>
+          </p:cNvSpPr>
+          <p:nvPr>
+            <p:ph type="sldImg"/>
+          </p:nvPr>
+        </p:nvSpPr>
+        <p:spPr bwMode="auto"/>
+      </p:sp>
+      <p:sp>
+        <p:nvSpPr>
+          <p:cNvPr id="1070979712" name="Notes Placeholder 2"/>
+          <p:cNvSpPr>
+            <a:spLocks noGrp="1"/>
+          </p:cNvSpPr>
+          <p:nvPr>
+            <p:ph type="body" idx="1"/>
+          </p:nvPr>
+        </p:nvSpPr>
+        <p:spPr bwMode="auto"/>
+        <p:txBody>
+          <a:bodyPr/>
+          <a:lstStyle/>
+          <a:p>
+            <a:pPr>
+              <a:defRPr/>
+            </a:pPr>
+            <a:endParaRPr/>
+          </a:p>
+        </p:txBody>
+      </p:sp>
+      <p:sp>
+        <p:nvSpPr>
+          <p:cNvPr id="1422216977" name="Slide Number Placeholder 3"/>
+          <p:cNvSpPr>
+            <a:spLocks noGrp="1"/>
+          </p:cNvSpPr>
+          <p:nvPr>
+            <p:ph type="sldNum" sz="quarter" idx="10"/>
+          </p:nvPr>
+        </p:nvSpPr>
+        <p:spPr bwMode="auto"/>
+        <p:txBody>
+          <a:bodyPr/>
+          <a:lstStyle/>
+          <a:p>
+            <a:pPr>
+              <a:defRPr/>
+            </a:pPr>
+            <a:fld id="{AC3F7FFF-13AA-65EB-1001-3F113CE8B82D}" type="slidenum">
+              <a:rPr/>
+              <a:t/>
+            </a:fld>
+            <a:endParaRPr/>
+          </a:p>
+        </p:txBody>
+      </p:sp>
+    </p:spTree>
+  </p:cSld>
+</p:notes>
+</file>
+
+<file path=ppt/notesSlides/notesSlide17.xml><?xml version="1.0" encoding="utf-8"?>
+<p:notes xmlns:a="http://schemas.openxmlformats.org/drawingml/2006/main" xmlns:r="http://schemas.openxmlformats.org/officeDocument/2006/relationships" xmlns:p="http://schemas.openxmlformats.org/presentationml/2006/main" xmlns:m="http://schemas.openxmlformats.org/officeDocument/2006/math" xmlns:w="http://schemas.openxmlformats.org/wordprocessingml/2006/main">
+  <p:cSld name="">
+    <p:spTree>
+      <p:nvGrpSpPr>
+        <p:cNvPr id="1" name=""/>
+        <p:cNvGrpSpPr/>
+        <p:nvPr/>
+      </p:nvGrpSpPr>
+      <p:grpSpPr bwMode="auto">
+        <a:xfrm>
+          <a:off x="0" y="0"/>
+          <a:ext cx="0" cy="0"/>
+          <a:chOff x="0" y="0"/>
+          <a:chExt cx="0" cy="0"/>
+        </a:xfrm>
+      </p:grpSpPr>
+      <p:sp>
+        <p:nvSpPr>
+          <p:cNvPr id="125812508" name="Slide Image Placeholder 1"/>
+          <p:cNvSpPr>
+            <a:spLocks noChangeAspect="1" noGrp="1" noRot="1"/>
+          </p:cNvSpPr>
+          <p:nvPr>
+            <p:ph type="sldImg"/>
+          </p:nvPr>
+        </p:nvSpPr>
+        <p:spPr bwMode="auto"/>
+      </p:sp>
+      <p:sp>
+        <p:nvSpPr>
+          <p:cNvPr id="1813776825" name="Notes Placeholder 2"/>
+          <p:cNvSpPr>
+            <a:spLocks noGrp="1"/>
+          </p:cNvSpPr>
+          <p:nvPr>
+            <p:ph type="body" idx="1"/>
+          </p:nvPr>
+        </p:nvSpPr>
+        <p:spPr bwMode="auto"/>
+        <p:txBody>
+          <a:bodyPr/>
+          <a:lstStyle/>
+          <a:p>
+            <a:pPr>
+              <a:defRPr/>
+            </a:pPr>
+            <a:endParaRPr/>
+          </a:p>
+        </p:txBody>
+      </p:sp>
+      <p:sp>
+        <p:nvSpPr>
+          <p:cNvPr id="247114802" name="Slide Number Placeholder 3"/>
+          <p:cNvSpPr>
+            <a:spLocks noGrp="1"/>
+          </p:cNvSpPr>
+          <p:nvPr>
+            <p:ph type="sldNum" sz="quarter" idx="10"/>
+          </p:nvPr>
+        </p:nvSpPr>
+        <p:spPr bwMode="auto"/>
+        <p:txBody>
+          <a:bodyPr/>
+          <a:lstStyle/>
+          <a:p>
+            <a:pPr>
+              <a:defRPr/>
+            </a:pPr>
+            <a:fld id="{F327730B-9B3D-6395-B5D7-3CDD1E20E8D9}" type="slidenum">
+              <a:rPr/>
+              <a:t/>
+            </a:fld>
+            <a:endParaRPr/>
+          </a:p>
+        </p:txBody>
+      </p:sp>
+    </p:spTree>
+  </p:cSld>
+</p:notes>
+</file>
+
+<file path=ppt/notesSlides/notesSlide18.xml><?xml version="1.0" encoding="utf-8"?>
+<p:notes xmlns:a="http://schemas.openxmlformats.org/drawingml/2006/main" xmlns:r="http://schemas.openxmlformats.org/officeDocument/2006/relationships" xmlns:p="http://schemas.openxmlformats.org/presentationml/2006/main" xmlns:m="http://schemas.openxmlformats.org/officeDocument/2006/math" xmlns:w="http://schemas.openxmlformats.org/wordprocessingml/2006/main">
+  <p:cSld name="">
+    <p:spTree>
+      <p:nvGrpSpPr>
+        <p:cNvPr id="1" name=""/>
+        <p:cNvGrpSpPr/>
+        <p:nvPr/>
+      </p:nvGrpSpPr>
+      <p:grpSpPr bwMode="auto">
+        <a:xfrm>
+          <a:off x="0" y="0"/>
+          <a:ext cx="0" cy="0"/>
+          <a:chOff x="0" y="0"/>
+          <a:chExt cx="0" cy="0"/>
+        </a:xfrm>
+      </p:grpSpPr>
+      <p:sp>
+        <p:nvSpPr>
+          <p:cNvPr id="212933573" name="Slide Image Placeholder 1"/>
+          <p:cNvSpPr>
+            <a:spLocks noChangeAspect="1" noGrp="1" noRot="1"/>
+          </p:cNvSpPr>
+          <p:nvPr>
+            <p:ph type="sldImg"/>
+          </p:nvPr>
+        </p:nvSpPr>
+        <p:spPr bwMode="auto"/>
+      </p:sp>
+      <p:sp>
+        <p:nvSpPr>
+          <p:cNvPr id="1603658808" name="Notes Placeholder 2"/>
+          <p:cNvSpPr>
+            <a:spLocks noGrp="1"/>
+          </p:cNvSpPr>
+          <p:nvPr>
+            <p:ph type="body" idx="1"/>
+          </p:nvPr>
+        </p:nvSpPr>
+        <p:spPr bwMode="auto"/>
+        <p:txBody>
+          <a:bodyPr/>
+          <a:lstStyle/>
+          <a:p>
+            <a:pPr>
+              <a:defRPr/>
+            </a:pPr>
+            <a:endParaRPr/>
+          </a:p>
+        </p:txBody>
+      </p:sp>
+      <p:sp>
+        <p:nvSpPr>
+          <p:cNvPr id="766098335" name="Slide Number Placeholder 3"/>
+          <p:cNvSpPr>
+            <a:spLocks noGrp="1"/>
+          </p:cNvSpPr>
+          <p:nvPr>
+            <p:ph type="sldNum" sz="quarter" idx="10"/>
+          </p:nvPr>
+        </p:nvSpPr>
+        <p:spPr bwMode="auto"/>
+        <p:txBody>
+          <a:bodyPr/>
+          <a:lstStyle/>
+          <a:p>
+            <a:pPr>
+              <a:defRPr/>
+            </a:pPr>
+            <a:fld id="{501CFEA3-08CB-F92F-1293-534CE0D24112}" type="slidenum">
+              <a:rPr/>
+              <a:t/>
+            </a:fld>
+            <a:endParaRPr/>
+          </a:p>
+        </p:txBody>
+      </p:sp>
+    </p:spTree>
+  </p:cSld>
+</p:notes>
+</file>
+
+<file path=ppt/notesSlides/notesSlide19.xml><?xml version="1.0" encoding="utf-8"?>
+<p:notes xmlns:a="http://schemas.openxmlformats.org/drawingml/2006/main" xmlns:r="http://schemas.openxmlformats.org/officeDocument/2006/relationships" xmlns:p="http://schemas.openxmlformats.org/presentationml/2006/main" xmlns:m="http://schemas.openxmlformats.org/officeDocument/2006/math" xmlns:w="http://schemas.openxmlformats.org/wordprocessingml/2006/main">
+  <p:cSld name="">
+    <p:spTree>
+      <p:nvGrpSpPr>
+        <p:cNvPr id="1" name=""/>
+        <p:cNvGrpSpPr/>
+        <p:nvPr/>
+      </p:nvGrpSpPr>
+      <p:grpSpPr bwMode="auto">
+        <a:xfrm>
+          <a:off x="0" y="0"/>
+          <a:ext cx="0" cy="0"/>
+          <a:chOff x="0" y="0"/>
+          <a:chExt cx="0" cy="0"/>
+        </a:xfrm>
+      </p:grpSpPr>
+      <p:sp>
+        <p:nvSpPr>
+          <p:cNvPr id="724658059" name="Slide Image Placeholder 1"/>
+          <p:cNvSpPr>
+            <a:spLocks noChangeAspect="1" noGrp="1" noRot="1"/>
+          </p:cNvSpPr>
+          <p:nvPr>
+            <p:ph type="sldImg"/>
+          </p:nvPr>
+        </p:nvSpPr>
+        <p:spPr bwMode="auto"/>
+      </p:sp>
+      <p:sp>
+        <p:nvSpPr>
+          <p:cNvPr id="2131776745" name="Notes Placeholder 2"/>
+          <p:cNvSpPr>
+            <a:spLocks noGrp="1"/>
+          </p:cNvSpPr>
+          <p:nvPr>
+            <p:ph type="body" idx="1"/>
+          </p:nvPr>
+        </p:nvSpPr>
+        <p:spPr bwMode="auto"/>
+        <p:txBody>
+          <a:bodyPr/>
+          <a:lstStyle/>
+          <a:p>
+            <a:pPr>
+              <a:defRPr/>
+            </a:pPr>
+            <a:endParaRPr/>
+          </a:p>
+        </p:txBody>
+      </p:sp>
+      <p:sp>
+        <p:nvSpPr>
+          <p:cNvPr id="1125282183" name="Slide Number Placeholder 3"/>
+          <p:cNvSpPr>
+            <a:spLocks noGrp="1"/>
+          </p:cNvSpPr>
+          <p:nvPr>
+            <p:ph type="sldNum" sz="quarter" idx="10"/>
+          </p:nvPr>
+        </p:nvSpPr>
+        <p:spPr bwMode="auto"/>
+        <p:txBody>
+          <a:bodyPr/>
+          <a:lstStyle/>
+          <a:p>
+            <a:pPr>
+              <a:defRPr/>
+            </a:pPr>
+            <a:fld id="{37BA531D-AFD3-691A-B198-0947304758CE}" type="slidenum">
               <a:rPr/>
               <a:t/>
             </a:fld>
@@ -4819,47 +5317,152 @@
           <a:bodyPr/>
           <a:lstStyle/>
           <a:p>
-            <a:pPr>
-              <a:defRPr/>
-            </a:pPr>
-            <a:r>
-              <a:rPr/>
+            <a:pPr algn="just">
+              <a:defRPr/>
+            </a:pPr>
+            <a:r>
+              <a:rPr sz="2200"/>
               <a:t>Programy IDE są skomplikowane i łatwo można coś zepsuć</a:t>
             </a:r>
-            <a:endParaRPr/>
-          </a:p>
-          <a:p>
-            <a:pPr>
-              <a:defRPr/>
-            </a:pPr>
-            <a:r>
-              <a:rPr/>
+            <a:endParaRPr sz="2200"/>
+          </a:p>
+          <a:p>
+            <a:pPr algn="just">
+              <a:defRPr/>
+            </a:pPr>
+            <a:r>
+              <a:rPr sz="2200"/>
               <a:t>Na maturze to byłoby niekorzystne</a:t>
             </a:r>
-            <a:endParaRPr/>
-          </a:p>
-          <a:p>
-            <a:pPr>
-              <a:defRPr/>
-            </a:pPr>
-            <a:r>
-              <a:rPr/>
+            <a:endParaRPr sz="2200"/>
+          </a:p>
+          <a:p>
+            <a:pPr algn="just">
+              <a:defRPr/>
+            </a:pPr>
+            <a:r>
+              <a:rPr sz="2200"/>
               <a:t>W przypadku problemów z IDE, można uruchomić pythona z linii poleceń</a:t>
             </a:r>
-            <a:endParaRPr/>
-          </a:p>
-          <a:p>
-            <a:pPr>
-              <a:defRPr/>
-            </a:pPr>
-            <a:r>
-              <a:rPr/>
-              <a:t> </a:t>
-            </a:r>
-            <a:endParaRPr/>
-          </a:p>
-        </p:txBody>
-      </p:sp>
+            <a:endParaRPr sz="2200"/>
+          </a:p>
+          <a:p>
+            <a:pPr algn="just">
+              <a:defRPr/>
+            </a:pPr>
+            <a:r>
+              <a:rPr sz="2200"/>
+              <a:t> Komenda </a:t>
+            </a:r>
+            <a:r>
+              <a:rPr sz="2200">
+                <a:latin typeface="Courier New"/>
+                <a:ea typeface="Courier New"/>
+                <a:cs typeface="Courier New"/>
+              </a:rPr>
+              <a:t>python &lt;nazwa_pliku&gt;</a:t>
+            </a:r>
+            <a:r>
+              <a:rPr sz="2200"/>
+              <a:t> wywołana w terminalu uruchamia dany plik</a:t>
+            </a:r>
+            <a:endParaRPr sz="2200"/>
+          </a:p>
+          <a:p>
+            <a:pPr algn="just">
+              <a:defRPr/>
+            </a:pPr>
+            <a:r>
+              <a:rPr sz="2200"/>
+              <a:t>Terminal musi być otwarty w folderze zawierającym plik .py</a:t>
+            </a:r>
+            <a:endParaRPr sz="2200"/>
+          </a:p>
+          <a:p>
+            <a:pPr algn="just">
+              <a:defRPr/>
+            </a:pPr>
+            <a:r>
+              <a:rPr sz="2200"/>
+              <a:t>Aby go otworzyć, w eksploratorze kliknij na pasek adresu i wpisz ‘cmd’</a:t>
+            </a:r>
+            <a:endParaRPr sz="2200"/>
+          </a:p>
+          <a:p>
+            <a:pPr>
+              <a:defRPr/>
+            </a:pPr>
+            <a:endParaRPr sz="2200"/>
+          </a:p>
+        </p:txBody>
+      </p:sp>
+      <p:pic>
+        <p:nvPicPr>
+          <p:cNvPr id="1148709627" name=""/>
+          <p:cNvPicPr>
+            <a:picLocks noChangeAspect="1"/>
+          </p:cNvPicPr>
+          <p:nvPr/>
+        </p:nvPicPr>
+        <p:blipFill>
+          <a:blip r:embed="rId4"/>
+          <a:stretch/>
+        </p:blipFill>
+        <p:spPr bwMode="auto">
+          <a:xfrm flipH="0" flipV="0">
+            <a:off x="120218" y="4655895"/>
+            <a:ext cx="5530995" cy="2046467"/>
+          </a:xfrm>
+          <a:prstGeom prst="rect">
+            <a:avLst/>
+          </a:prstGeom>
+        </p:spPr>
+      </p:pic>
+      <p:pic>
+        <p:nvPicPr>
+          <p:cNvPr id="436274252" name=""/>
+          <p:cNvPicPr>
+            <a:picLocks noChangeAspect="1"/>
+          </p:cNvPicPr>
+          <p:nvPr/>
+        </p:nvPicPr>
+        <p:blipFill>
+          <a:blip r:embed="rId5"/>
+          <a:srcRect l="0" t="0" r="28841" b="0"/>
+          <a:stretch/>
+        </p:blipFill>
+        <p:spPr bwMode="auto">
+          <a:xfrm flipH="0" flipV="0">
+            <a:off x="6544115" y="4438834"/>
+            <a:ext cx="4384562" cy="1240293"/>
+          </a:xfrm>
+          <a:prstGeom prst="rect">
+            <a:avLst/>
+          </a:prstGeom>
+        </p:spPr>
+      </p:pic>
+      <p:pic>
+        <p:nvPicPr>
+          <p:cNvPr id="646747618" name=""/>
+          <p:cNvPicPr>
+            <a:picLocks noChangeAspect="1"/>
+          </p:cNvPicPr>
+          <p:nvPr/>
+        </p:nvPicPr>
+        <p:blipFill>
+          <a:blip r:embed="rId6"/>
+          <a:stretch/>
+        </p:blipFill>
+        <p:spPr bwMode="auto">
+          <a:xfrm>
+            <a:off x="7314829" y="5058982"/>
+            <a:ext cx="3829050" cy="1628775"/>
+          </a:xfrm>
+          <a:prstGeom prst="rect">
+            <a:avLst/>
+          </a:prstGeom>
+        </p:spPr>
+      </p:pic>
     </p:spTree>
   </p:cSld>
   <p:clrMapOvr>
@@ -4905,7 +5508,7 @@
       </p:grpSpPr>
       <p:sp>
         <p:nvSpPr>
-          <p:cNvPr id="700610870" name="Title 1"/>
+          <p:cNvPr id="1980581321" name="Title 1"/>
           <p:cNvSpPr>
             <a:spLocks noGrp="1"/>
           </p:cNvSpPr>
@@ -4931,7 +5534,7 @@
       </p:sp>
       <p:sp>
         <p:nvSpPr>
-          <p:cNvPr id="1109985214" name="Content Placeholder 2"/>
+          <p:cNvPr id="1157985901" name="Content Placeholder 2"/>
           <p:cNvSpPr>
             <a:spLocks noGrp="1"/>
           </p:cNvSpPr>
@@ -4939,18 +5542,69 @@
             <p:ph idx="1"/>
           </p:nvPr>
         </p:nvSpPr>
-        <p:spPr bwMode="auto"/>
-        <p:txBody>
-          <a:bodyPr/>
-          <a:lstStyle/>
-          <a:p>
-            <a:pPr>
-              <a:defRPr/>
-            </a:pPr>
-            <a:endParaRPr/>
-          </a:p>
-        </p:txBody>
-      </p:sp>
+        <p:spPr bwMode="auto">
+          <a:xfrm flipH="0" flipV="0">
+            <a:off x="838199" y="1825624"/>
+            <a:ext cx="6488277" cy="4351338"/>
+          </a:xfrm>
+        </p:spPr>
+        <p:txBody>
+          <a:bodyPr/>
+          <a:lstStyle/>
+          <a:p>
+            <a:pPr algn="just">
+              <a:defRPr/>
+            </a:pPr>
+            <a:r>
+              <a:rPr sz="2600"/>
+              <a:t>Wyobraźnia ludzka jest ograniczona – a programy działają baaardzo szybko</a:t>
+            </a:r>
+            <a:endParaRPr sz="2600"/>
+          </a:p>
+          <a:p>
+            <a:pPr algn="just">
+              <a:defRPr/>
+            </a:pPr>
+            <a:r>
+              <a:rPr sz="2600"/>
+              <a:t>Z pomocą przychodzi nam debugger</a:t>
+            </a:r>
+            <a:endParaRPr sz="2600"/>
+          </a:p>
+          <a:p>
+            <a:pPr algn="just">
+              <a:defRPr/>
+            </a:pPr>
+            <a:r>
+              <a:rPr sz="2600"/>
+              <a:t>To narzędzie pozwala nam zatrzymać program w dowolnym momencie i zajrzeć do środka</a:t>
+            </a:r>
+            <a:endParaRPr/>
+          </a:p>
+        </p:txBody>
+      </p:sp>
+      <p:pic>
+        <p:nvPicPr>
+          <p:cNvPr id="245152944" name=""/>
+          <p:cNvPicPr>
+            <a:picLocks noChangeAspect="1"/>
+          </p:cNvPicPr>
+          <p:nvPr/>
+        </p:nvPicPr>
+        <p:blipFill>
+          <a:blip r:embed="rId4"/>
+          <a:stretch/>
+        </p:blipFill>
+        <p:spPr bwMode="auto">
+          <a:xfrm flipH="0" flipV="0">
+            <a:off x="7542954" y="1027906"/>
+            <a:ext cx="3761544" cy="5371955"/>
+          </a:xfrm>
+          <a:prstGeom prst="rect">
+            <a:avLst/>
+          </a:prstGeom>
+        </p:spPr>
+      </p:pic>
     </p:spTree>
   </p:cSld>
   <p:clrMapOvr>
@@ -4996,7 +5650,7 @@
       </p:grpSpPr>
       <p:sp>
         <p:nvSpPr>
-          <p:cNvPr id="1654480461" name="Title 1"/>
+          <p:cNvPr id="700610870" name="Title 1"/>
           <p:cNvSpPr>
             <a:spLocks noGrp="1"/>
           </p:cNvSpPr>
@@ -5014,15 +5668,15 @@
             </a:pPr>
             <a:r>
               <a:rPr/>
-              <a:t>Bonus - Debugger w terminalu</a:t>
-            </a:r>
-            <a:endParaRPr/>
-          </a:p>
-        </p:txBody>
-      </p:sp>
-      <p:sp>
-        <p:nvSpPr>
-          <p:cNvPr id="423996534" name="Content Placeholder 2"/>
+              <a:t>Debugger - tutorial</a:t>
+            </a:r>
+            <a:endParaRPr/>
+          </a:p>
+        </p:txBody>
+      </p:sp>
+      <p:sp>
+        <p:nvSpPr>
+          <p:cNvPr id="1109985214" name="Content Placeholder 2"/>
           <p:cNvSpPr>
             <a:spLocks noGrp="1"/>
           </p:cNvSpPr>
@@ -5038,10 +5692,78 @@
             <a:pPr>
               <a:defRPr/>
             </a:pPr>
-            <a:endParaRPr/>
-          </a:p>
-        </p:txBody>
-      </p:sp>
+            <a:r>
+              <a:rPr/>
+              <a:t>Kliknięcie na numer linii pozwala dodać tam breakpoint</a:t>
+            </a:r>
+            <a:endParaRPr/>
+          </a:p>
+          <a:p>
+            <a:pPr>
+              <a:defRPr/>
+            </a:pPr>
+            <a:r>
+              <a:rPr/>
+              <a:t>Program zatrzyma się, kiedy osiągnie breakpoint’</a:t>
+            </a:r>
+            <a:endParaRPr/>
+          </a:p>
+          <a:p>
+            <a:pPr>
+              <a:defRPr/>
+            </a:pPr>
+            <a:r>
+              <a:rPr/>
+              <a:t>Program w trybie debug uruchamiamy, wciskając zielonego robaka w prawym górnym rogu</a:t>
+            </a:r>
+            <a:endParaRPr/>
+          </a:p>
+        </p:txBody>
+      </p:sp>
+      <p:pic>
+        <p:nvPicPr>
+          <p:cNvPr id="1463270895" name=""/>
+          <p:cNvPicPr>
+            <a:picLocks noChangeAspect="1"/>
+          </p:cNvPicPr>
+          <p:nvPr/>
+        </p:nvPicPr>
+        <p:blipFill>
+          <a:blip r:embed="rId4"/>
+          <a:stretch/>
+        </p:blipFill>
+        <p:spPr bwMode="auto">
+          <a:xfrm flipH="0" flipV="0">
+            <a:off x="718704" y="4001293"/>
+            <a:ext cx="4750906" cy="2628394"/>
+          </a:xfrm>
+          <a:prstGeom prst="rect">
+            <a:avLst/>
+          </a:prstGeom>
+        </p:spPr>
+      </p:pic>
+      <p:pic>
+        <p:nvPicPr>
+          <p:cNvPr id="40462817" name=""/>
+          <p:cNvPicPr>
+            <a:picLocks noChangeAspect="1"/>
+          </p:cNvPicPr>
+          <p:nvPr/>
+        </p:nvPicPr>
+        <p:blipFill>
+          <a:blip r:embed="rId5"/>
+          <a:stretch/>
+        </p:blipFill>
+        <p:spPr bwMode="auto">
+          <a:xfrm flipH="0" flipV="0">
+            <a:off x="6429354" y="4857750"/>
+            <a:ext cx="4090608" cy="892873"/>
+          </a:xfrm>
+          <a:prstGeom prst="rect">
+            <a:avLst/>
+          </a:prstGeom>
+        </p:spPr>
+      </p:pic>
     </p:spTree>
   </p:cSld>
   <p:clrMapOvr>
@@ -5087,7 +5809,7 @@
       </p:grpSpPr>
       <p:sp>
         <p:nvSpPr>
-          <p:cNvPr id="216266077" name="Title 1"/>
+          <p:cNvPr id="1930537295" name="Title 1"/>
           <p:cNvSpPr>
             <a:spLocks noGrp="1"/>
           </p:cNvSpPr>
@@ -5105,15 +5827,15 @@
             </a:pPr>
             <a:r>
               <a:rPr/>
-              <a:t>Powszechne Błędy</a:t>
-            </a:r>
-            <a:endParaRPr/>
-          </a:p>
-        </p:txBody>
-      </p:sp>
-      <p:sp>
-        <p:nvSpPr>
-          <p:cNvPr id="266583412" name="Content Placeholder 2"/>
+              <a:t>Debugger - tutorial</a:t>
+            </a:r>
+            <a:endParaRPr/>
+          </a:p>
+        </p:txBody>
+      </p:sp>
+      <p:sp>
+        <p:nvSpPr>
+          <p:cNvPr id="1904982052" name="Content Placeholder 2"/>
           <p:cNvSpPr>
             <a:spLocks noGrp="1"/>
           </p:cNvSpPr>
@@ -5129,6 +5851,1108 @@
             <a:pPr>
               <a:defRPr/>
             </a:pPr>
+            <a:r>
+              <a:rPr/>
+              <a:t>Kiedy program się zatrzyma, na dole ekranu stanie sięwidoczne okienko debuggera</a:t>
+            </a:r>
+            <a:endParaRPr/>
+          </a:p>
+          <a:p>
+            <a:pPr>
+              <a:defRPr/>
+            </a:pPr>
+            <a:r>
+              <a:rPr/>
+              <a:t>Można tam sterować przebiegiem programu:</a:t>
+            </a:r>
+            <a:endParaRPr/>
+          </a:p>
+          <a:p>
+            <a:pPr>
+              <a:defRPr/>
+            </a:pPr>
+            <a:endParaRPr/>
+          </a:p>
+          <a:p>
+            <a:pPr>
+              <a:defRPr/>
+            </a:pPr>
+            <a:endParaRPr/>
+          </a:p>
+        </p:txBody>
+      </p:sp>
+      <p:pic>
+        <p:nvPicPr>
+          <p:cNvPr id="2018201930" name=""/>
+          <p:cNvPicPr>
+            <a:picLocks noChangeAspect="1"/>
+          </p:cNvPicPr>
+          <p:nvPr/>
+        </p:nvPicPr>
+        <p:blipFill>
+          <a:blip r:embed="rId4"/>
+          <a:stretch/>
+        </p:blipFill>
+        <p:spPr bwMode="auto">
+          <a:xfrm flipH="0" flipV="0">
+            <a:off x="4052454" y="3212522"/>
+            <a:ext cx="4465497" cy="1921452"/>
+          </a:xfrm>
+          <a:prstGeom prst="rect">
+            <a:avLst/>
+          </a:prstGeom>
+        </p:spPr>
+      </p:pic>
+      <p:sp>
+        <p:nvSpPr>
+          <p:cNvPr id="990779744" name=""/>
+          <p:cNvSpPr txBox="1"/>
+          <p:nvPr/>
+        </p:nvSpPr>
+        <p:spPr bwMode="auto">
+          <a:xfrm flipH="0" flipV="0">
+            <a:off x="5118409" y="3861954"/>
+            <a:ext cx="3207103" cy="335639"/>
+          </a:xfrm>
+          <a:prstGeom prst="rect">
+            <a:avLst/>
+          </a:prstGeom>
+          <a:noFill/>
+        </p:spPr>
+        <p:txBody>
+          <a:bodyPr vertOverflow="overflow" horzOverflow="overflow" vert="horz" wrap="square" lIns="91440" tIns="45720" rIns="91440" bIns="45720" numCol="1" spcCol="0" rtlCol="0" fromWordArt="0" anchor="t" anchorCtr="0" forceAA="0" upright="0" compatLnSpc="0">
+            <a:spAutoFit/>
+          </a:bodyPr>
+          <a:p>
+            <a:pPr>
+              <a:defRPr/>
+            </a:pPr>
+            <a:r>
+              <a:rPr sz="1600">
+                <a:solidFill>
+                  <a:schemeClr val="bg1"/>
+                </a:solidFill>
+              </a:rPr>
+              <a:t>1   2   3   4</a:t>
+            </a:r>
+            <a:endParaRPr>
+              <a:solidFill>
+                <a:schemeClr val="bg1"/>
+              </a:solidFill>
+            </a:endParaRPr>
+          </a:p>
+        </p:txBody>
+      </p:sp>
+      <p:sp>
+        <p:nvSpPr>
+          <p:cNvPr id="1201586441" name=""/>
+          <p:cNvSpPr txBox="1"/>
+          <p:nvPr/>
+        </p:nvSpPr>
+        <p:spPr bwMode="auto">
+          <a:xfrm flipH="0" flipV="0">
+            <a:off x="1576840" y="5273386"/>
+            <a:ext cx="8474653" cy="1189079"/>
+          </a:xfrm>
+          <a:prstGeom prst="rect">
+            <a:avLst/>
+          </a:prstGeom>
+          <a:noFill/>
+        </p:spPr>
+        <p:txBody>
+          <a:bodyPr vertOverflow="overflow" horzOverflow="overflow" vert="horz" wrap="square" lIns="91440" tIns="45720" rIns="91440" bIns="45720" numCol="1" spcCol="0" rtlCol="0" fromWordArt="0" anchor="t" anchorCtr="0" forceAA="0" upright="0" compatLnSpc="0">
+            <a:spAutoFit/>
+          </a:bodyPr>
+          <a:p>
+            <a:pPr>
+              <a:defRPr/>
+            </a:pPr>
+            <a:r>
+              <a:rPr/>
+              <a:t>1 - kontynuuj (do następnego breakpointa)</a:t>
+            </a:r>
+            <a:endParaRPr/>
+          </a:p>
+          <a:p>
+            <a:pPr>
+              <a:defRPr/>
+            </a:pPr>
+            <a:r>
+              <a:rPr/>
+              <a:t>2 - zatrzymaj program (przydatne przy szczególnie długich instrukcjach)</a:t>
+            </a:r>
+            <a:endParaRPr/>
+          </a:p>
+          <a:p>
+            <a:pPr>
+              <a:defRPr/>
+            </a:pPr>
+            <a:r>
+              <a:rPr/>
+              <a:t>3 - ‘step over’ - przejdź do kolejnej linii, ale nie wchodź do wnętrza funkcji</a:t>
+            </a:r>
+            <a:endParaRPr/>
+          </a:p>
+          <a:p>
+            <a:pPr>
+              <a:defRPr/>
+            </a:pPr>
+            <a:r>
+              <a:rPr/>
+              <a:t>4 - ‘step into’ - przejdź do następnej linii</a:t>
+            </a:r>
+            <a:endParaRPr/>
+          </a:p>
+        </p:txBody>
+      </p:sp>
+    </p:spTree>
+  </p:cSld>
+  <p:clrMapOvr>
+    <a:masterClrMapping/>
+  </p:clrMapOvr>
+  <mc:AlternateContent xmlns:mc="http://schemas.openxmlformats.org/markup-compatibility/2006">
+    <mc:Choice xmlns:p159="http://schemas.microsoft.com/office/powerpoint/2015/09/main" xmlns:p14="http://schemas.microsoft.com/office/powerpoint/2010/main" Requires="p159">
+      <p:transition p14:dur="2000" advClick="1"/>
+    </mc:Choice>
+    <mc:Fallback>
+      <p:transition advClick="1"/>
+    </mc:Fallback>
+  </mc:AlternateContent>
+</p:sld>
+</file>
+
+<file path=ppt/slides/slide14.xml><?xml version="1.0" encoding="utf-8"?>
+<p:sld xmlns:a="http://schemas.openxmlformats.org/drawingml/2006/main" xmlns:r="http://schemas.openxmlformats.org/officeDocument/2006/relationships" xmlns:p="http://schemas.openxmlformats.org/presentationml/2006/main" xmlns:m="http://schemas.openxmlformats.org/officeDocument/2006/math" xmlns:w="http://schemas.openxmlformats.org/wordprocessingml/2006/main" showMasterPhAnim="0" show="1">
+  <p:cSld name="">
+    <p:bg>
+      <p:bgPr shadeToTitle="0">
+        <a:blipFill>
+          <a:blip r:embed="rId3">
+            <a:alphaModFix amt="23000"/>
+          </a:blip>
+          <a:stretch/>
+        </a:blipFill>
+      </p:bgPr>
+    </p:bg>
+    <p:spTree>
+      <p:nvGrpSpPr>
+        <p:cNvPr id="1" name=""/>
+        <p:cNvGrpSpPr/>
+        <p:nvPr/>
+      </p:nvGrpSpPr>
+      <p:grpSpPr bwMode="auto">
+        <a:xfrm>
+          <a:off x="0" y="0"/>
+          <a:ext cx="0" cy="0"/>
+          <a:chOff x="0" y="0"/>
+          <a:chExt cx="0" cy="0"/>
+        </a:xfrm>
+      </p:grpSpPr>
+      <p:sp>
+        <p:nvSpPr>
+          <p:cNvPr id="1490515963" name="Title 1"/>
+          <p:cNvSpPr>
+            <a:spLocks noGrp="1"/>
+          </p:cNvSpPr>
+          <p:nvPr>
+            <p:ph type="title"/>
+          </p:nvPr>
+        </p:nvSpPr>
+        <p:spPr bwMode="auto"/>
+        <p:txBody>
+          <a:bodyPr/>
+          <a:lstStyle/>
+          <a:p>
+            <a:pPr>
+              <a:defRPr/>
+            </a:pPr>
+            <a:r>
+              <a:rPr/>
+              <a:t>Debugger - tutorial</a:t>
+            </a:r>
+            <a:endParaRPr/>
+          </a:p>
+        </p:txBody>
+      </p:sp>
+      <p:sp>
+        <p:nvSpPr>
+          <p:cNvPr id="573113942" name="Content Placeholder 2"/>
+          <p:cNvSpPr>
+            <a:spLocks noGrp="1"/>
+          </p:cNvSpPr>
+          <p:nvPr>
+            <p:ph idx="1"/>
+          </p:nvPr>
+        </p:nvSpPr>
+        <p:spPr bwMode="auto"/>
+        <p:txBody>
+          <a:bodyPr/>
+          <a:lstStyle/>
+          <a:p>
+            <a:pPr>
+              <a:defRPr/>
+            </a:pPr>
+            <a:r>
+              <a:rPr/>
+              <a:t>Kiedy program jest zatrzymany, można podglądać aktualne wartości zmiennych</a:t>
+            </a:r>
+            <a:endParaRPr/>
+          </a:p>
+          <a:p>
+            <a:pPr>
+              <a:defRPr/>
+            </a:pPr>
+            <a:r>
+              <a:rPr/>
+              <a:t>To bardzo ważne – dzięki temu możemy wykryć błędy</a:t>
+            </a:r>
+            <a:endParaRPr/>
+          </a:p>
+          <a:p>
+            <a:pPr>
+              <a:defRPr/>
+            </a:pPr>
+            <a:r>
+              <a:rPr/>
+              <a:t>W okienku Debug są dwie zakładki:</a:t>
+            </a:r>
+            <a:endParaRPr/>
+          </a:p>
+          <a:p>
+            <a:pPr lvl="1">
+              <a:defRPr/>
+            </a:pPr>
+            <a:r>
+              <a:rPr b="1"/>
+              <a:t>Console</a:t>
+            </a:r>
+            <a:r>
+              <a:rPr/>
+              <a:t> - output programu</a:t>
+            </a:r>
+            <a:endParaRPr/>
+          </a:p>
+          <a:p>
+            <a:pPr lvl="1">
+              <a:defRPr/>
+            </a:pPr>
+            <a:r>
+              <a:rPr b="1"/>
+              <a:t>Threads &amp; Variables</a:t>
+            </a:r>
+            <a:r>
+              <a:rPr/>
+              <a:t> - wartości i typy zmiennych</a:t>
+            </a:r>
+            <a:endParaRPr/>
+          </a:p>
+          <a:p>
+            <a:pPr>
+              <a:defRPr/>
+            </a:pPr>
+            <a:endParaRPr/>
+          </a:p>
+        </p:txBody>
+      </p:sp>
+      <p:pic>
+        <p:nvPicPr>
+          <p:cNvPr id="2104234596" name=""/>
+          <p:cNvPicPr>
+            <a:picLocks noChangeAspect="1"/>
+          </p:cNvPicPr>
+          <p:nvPr/>
+        </p:nvPicPr>
+        <p:blipFill>
+          <a:blip r:embed="rId4"/>
+          <a:srcRect l="0" t="15440" r="11365" b="0"/>
+          <a:stretch/>
+        </p:blipFill>
+        <p:spPr bwMode="auto">
+          <a:xfrm flipH="0" flipV="0">
+            <a:off x="3164454" y="4599982"/>
+            <a:ext cx="5863090" cy="2155768"/>
+          </a:xfrm>
+          <a:prstGeom prst="rect">
+            <a:avLst/>
+          </a:prstGeom>
+        </p:spPr>
+      </p:pic>
+    </p:spTree>
+  </p:cSld>
+  <p:clrMapOvr>
+    <a:masterClrMapping/>
+  </p:clrMapOvr>
+  <mc:AlternateContent xmlns:mc="http://schemas.openxmlformats.org/markup-compatibility/2006">
+    <mc:Choice xmlns:p159="http://schemas.microsoft.com/office/powerpoint/2015/09/main" xmlns:p14="http://schemas.microsoft.com/office/powerpoint/2010/main" Requires="p159">
+      <p:transition p14:dur="2000" advClick="1"/>
+    </mc:Choice>
+    <mc:Fallback>
+      <p:transition advClick="1"/>
+    </mc:Fallback>
+  </mc:AlternateContent>
+</p:sld>
+</file>
+
+<file path=ppt/slides/slide15.xml><?xml version="1.0" encoding="utf-8"?>
+<p:sld xmlns:a="http://schemas.openxmlformats.org/drawingml/2006/main" xmlns:r="http://schemas.openxmlformats.org/officeDocument/2006/relationships" xmlns:p="http://schemas.openxmlformats.org/presentationml/2006/main" xmlns:m="http://schemas.openxmlformats.org/officeDocument/2006/math" xmlns:w="http://schemas.openxmlformats.org/wordprocessingml/2006/main" showMasterPhAnim="0" show="1">
+  <p:cSld name="">
+    <p:bg>
+      <p:bgPr shadeToTitle="0">
+        <a:blipFill>
+          <a:blip r:embed="rId3">
+            <a:alphaModFix amt="23000"/>
+          </a:blip>
+          <a:stretch/>
+        </a:blipFill>
+      </p:bgPr>
+    </p:bg>
+    <p:spTree>
+      <p:nvGrpSpPr>
+        <p:cNvPr id="1" name=""/>
+        <p:cNvGrpSpPr/>
+        <p:nvPr/>
+      </p:nvGrpSpPr>
+      <p:grpSpPr bwMode="auto">
+        <a:xfrm>
+          <a:off x="0" y="0"/>
+          <a:ext cx="0" cy="0"/>
+          <a:chOff x="0" y="0"/>
+          <a:chExt cx="0" cy="0"/>
+        </a:xfrm>
+      </p:grpSpPr>
+      <p:sp>
+        <p:nvSpPr>
+          <p:cNvPr id="213449879" name="Title 1"/>
+          <p:cNvSpPr>
+            <a:spLocks noGrp="1"/>
+          </p:cNvSpPr>
+          <p:nvPr>
+            <p:ph type="title"/>
+          </p:nvPr>
+        </p:nvSpPr>
+        <p:spPr bwMode="auto"/>
+        <p:txBody>
+          <a:bodyPr/>
+          <a:lstStyle/>
+          <a:p>
+            <a:pPr>
+              <a:defRPr/>
+            </a:pPr>
+            <a:r>
+              <a:rPr/>
+              <a:t>Operacje na plikach</a:t>
+            </a:r>
+            <a:endParaRPr/>
+          </a:p>
+        </p:txBody>
+      </p:sp>
+      <p:sp>
+        <p:nvSpPr>
+          <p:cNvPr id="1034211196" name="Content Placeholder 2"/>
+          <p:cNvSpPr>
+            <a:spLocks noGrp="1"/>
+          </p:cNvSpPr>
+          <p:nvPr>
+            <p:ph idx="1"/>
+          </p:nvPr>
+        </p:nvSpPr>
+        <p:spPr bwMode="auto"/>
+        <p:txBody>
+          <a:bodyPr vertOverflow="overflow" horzOverflow="overflow" vert="horz" wrap="square" lIns="91440" tIns="45720" rIns="91440" bIns="45720" numCol="1" spcCol="0" rtlCol="0" fromWordArt="0" anchor="t" anchorCtr="0" forceAA="0" upright="0" compatLnSpc="0">
+            <a:normAutofit/>
+          </a:bodyPr>
+          <a:lstStyle/>
+          <a:p>
+            <a:pPr>
+              <a:defRPr/>
+            </a:pPr>
+            <a:r>
+              <a:rPr/>
+              <a:t>Zadania maturalne niemal zawsze sprowadzają się do pracy na danych z plików</a:t>
+            </a:r>
+            <a:endParaRPr/>
+          </a:p>
+          <a:p>
+            <a:pPr>
+              <a:defRPr/>
+            </a:pPr>
+            <a:r>
+              <a:rPr/>
+              <a:t>Python domyślnie wspiera odczyt i zapis plików – nie trzeba niczego importować</a:t>
+            </a:r>
+            <a:endParaRPr/>
+          </a:p>
+          <a:p>
+            <a:pPr>
+              <a:defRPr/>
+            </a:pPr>
+            <a:r>
+              <a:rPr/>
+              <a:t>Służy do tego funkcja </a:t>
+            </a:r>
+            <a:r>
+              <a:rPr>
+                <a:latin typeface="Courier New"/>
+                <a:ea typeface="Courier New"/>
+                <a:cs typeface="Courier New"/>
+              </a:rPr>
+              <a:t>open(file, mode)</a:t>
+            </a:r>
+            <a:endParaRPr>
+              <a:latin typeface="Courier New"/>
+              <a:cs typeface="Courier New"/>
+            </a:endParaRPr>
+          </a:p>
+          <a:p>
+            <a:pPr>
+              <a:defRPr/>
+            </a:pPr>
+            <a:r>
+              <a:rPr/>
+              <a:t>Jako argumenty podajemy ścieżkę do pliku oraz tryb, w którym otwieramy plik</a:t>
+            </a:r>
+            <a:endParaRPr/>
+          </a:p>
+          <a:p>
+            <a:pPr>
+              <a:defRPr/>
+            </a:pPr>
+            <a:r>
+              <a:rPr/>
+              <a:t>Funkcja zwraca plik jako obiekt</a:t>
+            </a:r>
+            <a:endParaRPr/>
+          </a:p>
+          <a:p>
+            <a:pPr>
+              <a:defRPr/>
+            </a:pPr>
+            <a:r>
+              <a:rPr/>
+              <a:t>Plik zamykamy metodą </a:t>
+            </a:r>
+            <a:r>
+              <a:rPr>
+                <a:latin typeface="Courier New"/>
+                <a:ea typeface="Courier New"/>
+                <a:cs typeface="Courier New"/>
+              </a:rPr>
+              <a:t>file.close()</a:t>
+            </a:r>
+            <a:endParaRPr>
+              <a:latin typeface="Courier New"/>
+              <a:cs typeface="Courier New"/>
+            </a:endParaRPr>
+          </a:p>
+        </p:txBody>
+      </p:sp>
+      <p:pic>
+        <p:nvPicPr>
+          <p:cNvPr id="1575038806" name=""/>
+          <p:cNvPicPr>
+            <a:picLocks noChangeAspect="1"/>
+          </p:cNvPicPr>
+          <p:nvPr/>
+        </p:nvPicPr>
+        <p:blipFill>
+          <a:blip r:embed="rId4"/>
+          <a:stretch/>
+        </p:blipFill>
+        <p:spPr bwMode="auto">
+          <a:xfrm flipH="0" flipV="0">
+            <a:off x="8524009" y="4745181"/>
+            <a:ext cx="1984663" cy="1984663"/>
+          </a:xfrm>
+          <a:prstGeom prst="rect">
+            <a:avLst/>
+          </a:prstGeom>
+        </p:spPr>
+      </p:pic>
+    </p:spTree>
+  </p:cSld>
+  <p:clrMapOvr>
+    <a:masterClrMapping/>
+  </p:clrMapOvr>
+  <mc:AlternateContent xmlns:mc="http://schemas.openxmlformats.org/markup-compatibility/2006">
+    <mc:Choice xmlns:p159="http://schemas.microsoft.com/office/powerpoint/2015/09/main" xmlns:p14="http://schemas.microsoft.com/office/powerpoint/2010/main" Requires="p159">
+      <p:transition p14:dur="2000" advClick="1"/>
+    </mc:Choice>
+    <mc:Fallback>
+      <p:transition advClick="1"/>
+    </mc:Fallback>
+  </mc:AlternateContent>
+</p:sld>
+</file>
+
+<file path=ppt/slides/slide16.xml><?xml version="1.0" encoding="utf-8"?>
+<p:sld xmlns:a="http://schemas.openxmlformats.org/drawingml/2006/main" xmlns:r="http://schemas.openxmlformats.org/officeDocument/2006/relationships" xmlns:p="http://schemas.openxmlformats.org/presentationml/2006/main" xmlns:m="http://schemas.openxmlformats.org/officeDocument/2006/math" xmlns:w="http://schemas.openxmlformats.org/wordprocessingml/2006/main" showMasterPhAnim="0" show="1">
+  <p:cSld name="">
+    <p:bg>
+      <p:bgPr shadeToTitle="0">
+        <a:blipFill>
+          <a:blip r:embed="rId3">
+            <a:alphaModFix amt="23000"/>
+          </a:blip>
+          <a:stretch/>
+        </a:blipFill>
+      </p:bgPr>
+    </p:bg>
+    <p:spTree>
+      <p:nvGrpSpPr>
+        <p:cNvPr id="1" name=""/>
+        <p:cNvGrpSpPr/>
+        <p:nvPr/>
+      </p:nvGrpSpPr>
+      <p:grpSpPr bwMode="auto">
+        <a:xfrm>
+          <a:off x="0" y="0"/>
+          <a:ext cx="0" cy="0"/>
+          <a:chOff x="0" y="0"/>
+          <a:chExt cx="0" cy="0"/>
+        </a:xfrm>
+      </p:grpSpPr>
+      <p:sp>
+        <p:nvSpPr>
+          <p:cNvPr id="1954932101" name="Title 1"/>
+          <p:cNvSpPr>
+            <a:spLocks noGrp="1"/>
+          </p:cNvSpPr>
+          <p:nvPr>
+            <p:ph type="title"/>
+          </p:nvPr>
+        </p:nvSpPr>
+        <p:spPr bwMode="auto"/>
+        <p:txBody>
+          <a:bodyPr/>
+          <a:lstStyle/>
+          <a:p>
+            <a:pPr>
+              <a:defRPr/>
+            </a:pPr>
+            <a:r>
+              <a:rPr/>
+              <a:t>Operacje na plikach - tryby</a:t>
+            </a:r>
+            <a:endParaRPr/>
+          </a:p>
+        </p:txBody>
+      </p:sp>
+      <p:sp>
+        <p:nvSpPr>
+          <p:cNvPr id="411159578" name="Content Placeholder 2"/>
+          <p:cNvSpPr>
+            <a:spLocks noGrp="1"/>
+          </p:cNvSpPr>
+          <p:nvPr>
+            <p:ph idx="1"/>
+          </p:nvPr>
+        </p:nvSpPr>
+        <p:spPr bwMode="auto"/>
+        <p:txBody>
+          <a:bodyPr/>
+          <a:lstStyle/>
+          <a:p>
+            <a:pPr marL="0" indent="0">
+              <a:buFont typeface="Arial"/>
+              <a:buNone/>
+              <a:defRPr/>
+            </a:pPr>
+            <a:r>
+              <a:rPr/>
+              <a:t> </a:t>
+            </a:r>
+            <a:br>
+              <a:rPr/>
+            </a:br>
+            <a:endParaRPr/>
+          </a:p>
+        </p:txBody>
+      </p:sp>
+      <p:pic>
+        <p:nvPicPr>
+          <p:cNvPr id="960562154" name=""/>
+          <p:cNvPicPr>
+            <a:picLocks noChangeAspect="1"/>
+          </p:cNvPicPr>
+          <p:nvPr/>
+        </p:nvPicPr>
+        <p:blipFill>
+          <a:blip r:embed="rId4"/>
+          <a:stretch/>
+        </p:blipFill>
+        <p:spPr bwMode="auto">
+          <a:xfrm flipH="0" flipV="0">
+            <a:off x="1481325" y="2247106"/>
+            <a:ext cx="9229349" cy="3508374"/>
+          </a:xfrm>
+          <a:prstGeom prst="rect">
+            <a:avLst/>
+          </a:prstGeom>
+        </p:spPr>
+      </p:pic>
+    </p:spTree>
+  </p:cSld>
+  <p:clrMapOvr>
+    <a:masterClrMapping/>
+  </p:clrMapOvr>
+  <mc:AlternateContent xmlns:mc="http://schemas.openxmlformats.org/markup-compatibility/2006">
+    <mc:Choice xmlns:p159="http://schemas.microsoft.com/office/powerpoint/2015/09/main" xmlns:p14="http://schemas.microsoft.com/office/powerpoint/2010/main" Requires="p159">
+      <p:transition p14:dur="2000" advClick="1"/>
+    </mc:Choice>
+    <mc:Fallback>
+      <p:transition advClick="1"/>
+    </mc:Fallback>
+  </mc:AlternateContent>
+</p:sld>
+</file>
+
+<file path=ppt/slides/slide17.xml><?xml version="1.0" encoding="utf-8"?>
+<p:sld xmlns:a="http://schemas.openxmlformats.org/drawingml/2006/main" xmlns:r="http://schemas.openxmlformats.org/officeDocument/2006/relationships" xmlns:p="http://schemas.openxmlformats.org/presentationml/2006/main" xmlns:m="http://schemas.openxmlformats.org/officeDocument/2006/math" xmlns:w="http://schemas.openxmlformats.org/wordprocessingml/2006/main" showMasterPhAnim="0" show="1">
+  <p:cSld name="">
+    <p:bg>
+      <p:bgPr shadeToTitle="0">
+        <a:blipFill>
+          <a:blip r:embed="rId3">
+            <a:alphaModFix amt="23000"/>
+          </a:blip>
+          <a:stretch/>
+        </a:blipFill>
+      </p:bgPr>
+    </p:bg>
+    <p:spTree>
+      <p:nvGrpSpPr>
+        <p:cNvPr id="1" name=""/>
+        <p:cNvGrpSpPr/>
+        <p:nvPr/>
+      </p:nvGrpSpPr>
+      <p:grpSpPr bwMode="auto">
+        <a:xfrm>
+          <a:off x="0" y="0"/>
+          <a:ext cx="0" cy="0"/>
+          <a:chOff x="0" y="0"/>
+          <a:chExt cx="0" cy="0"/>
+        </a:xfrm>
+      </p:grpSpPr>
+      <p:sp>
+        <p:nvSpPr>
+          <p:cNvPr id="596899605" name="Title 1"/>
+          <p:cNvSpPr>
+            <a:spLocks noGrp="1"/>
+          </p:cNvSpPr>
+          <p:nvPr>
+            <p:ph type="title"/>
+          </p:nvPr>
+        </p:nvSpPr>
+        <p:spPr bwMode="auto"/>
+        <p:txBody>
+          <a:bodyPr/>
+          <a:lstStyle/>
+          <a:p>
+            <a:pPr>
+              <a:defRPr/>
+            </a:pPr>
+            <a:r>
+              <a:rPr/>
+              <a:t>Operacja na plikach – odczyt danych</a:t>
+            </a:r>
+            <a:endParaRPr/>
+          </a:p>
+        </p:txBody>
+      </p:sp>
+      <p:sp>
+        <p:nvSpPr>
+          <p:cNvPr id="320235234" name="Content Placeholder 2"/>
+          <p:cNvSpPr>
+            <a:spLocks noGrp="1"/>
+          </p:cNvSpPr>
+          <p:nvPr>
+            <p:ph idx="1"/>
+          </p:nvPr>
+        </p:nvSpPr>
+        <p:spPr bwMode="auto"/>
+        <p:txBody>
+          <a:bodyPr/>
+          <a:lstStyle/>
+          <a:p>
+            <a:pPr>
+              <a:defRPr/>
+            </a:pPr>
+            <a:r>
+              <a:rPr/>
+              <a:t>Aby odczytać zawartość pliku należy wywołać odpowiednie  metody na obiekcie reprezentującym plik:</a:t>
+            </a:r>
+            <a:endParaRPr/>
+          </a:p>
+          <a:p>
+            <a:pPr lvl="1">
+              <a:defRPr/>
+            </a:pPr>
+            <a:r>
+              <a:rPr>
+                <a:latin typeface="Courier New"/>
+                <a:ea typeface="Courier New"/>
+                <a:cs typeface="Courier New"/>
+              </a:rPr>
+              <a:t>file.read()</a:t>
+            </a:r>
+            <a:r>
+              <a:rPr/>
+              <a:t> – zwraca całą treść pliku </a:t>
+            </a:r>
+            <a:endParaRPr/>
+          </a:p>
+          <a:p>
+            <a:pPr lvl="1">
+              <a:defRPr/>
+            </a:pPr>
+            <a:r>
+              <a:rPr>
+                <a:latin typeface="Courier New"/>
+                <a:ea typeface="Courier New"/>
+                <a:cs typeface="Courier New"/>
+              </a:rPr>
+              <a:t>file.readlines()</a:t>
+            </a:r>
+            <a:r>
+              <a:rPr/>
+              <a:t> – dzieli treść pliku na linie i zwraca listę</a:t>
+            </a:r>
+            <a:endParaRPr/>
+          </a:p>
+          <a:p>
+            <a:pPr lvl="1">
+              <a:defRPr/>
+            </a:pPr>
+            <a:r>
+              <a:rPr>
+                <a:latin typeface="Courier New"/>
+                <a:ea typeface="Courier New"/>
+                <a:cs typeface="Courier New"/>
+              </a:rPr>
+              <a:t>file.readline()</a:t>
+            </a:r>
+            <a:r>
+              <a:rPr/>
+              <a:t> – odczytuje jedną (kolejną) linijkę z pliku</a:t>
+            </a:r>
+            <a:endParaRPr/>
+          </a:p>
+          <a:p>
+            <a:pPr lvl="0">
+              <a:defRPr/>
+            </a:pPr>
+            <a:r>
+              <a:rPr/>
+              <a:t>Można też zapisywać dane przy pomocy metody </a:t>
+            </a:r>
+            <a:r>
+              <a:rPr>
+                <a:latin typeface="Courier New"/>
+                <a:ea typeface="Courier New"/>
+                <a:cs typeface="Courier New"/>
+              </a:rPr>
+              <a:t>file.write()</a:t>
+            </a:r>
+            <a:endParaRPr>
+              <a:latin typeface="Courier New"/>
+              <a:ea typeface="Courier New"/>
+              <a:cs typeface="Courier New"/>
+            </a:endParaRPr>
+          </a:p>
+          <a:p>
+            <a:pPr lvl="0">
+              <a:defRPr/>
+            </a:pPr>
+            <a:r>
+              <a:rPr lang="pl-PL" sz="2800" b="0" i="0" u="none" strike="noStrike" cap="none" spc="0">
+                <a:solidFill>
+                  <a:schemeClr val="tx1"/>
+                </a:solidFill>
+                <a:latin typeface="+mn-lt"/>
+                <a:ea typeface="+mn-ea"/>
+                <a:cs typeface="+mn-cs"/>
+              </a:rPr>
+              <a:t>Miejsce, w którym odczytamy/zapiszemy dane zależy od pozycji „wirtualnego kursora” (a zatem od trybu w którym otwarto plik).</a:t>
+            </a:r>
+            <a:endParaRPr/>
+          </a:p>
+          <a:p>
+            <a:pPr>
+              <a:defRPr/>
+            </a:pPr>
+            <a:endParaRPr/>
+          </a:p>
+        </p:txBody>
+      </p:sp>
+    </p:spTree>
+  </p:cSld>
+  <p:clrMapOvr>
+    <a:masterClrMapping/>
+  </p:clrMapOvr>
+  <mc:AlternateContent xmlns:mc="http://schemas.openxmlformats.org/markup-compatibility/2006">
+    <mc:Choice xmlns:p159="http://schemas.microsoft.com/office/powerpoint/2015/09/main" xmlns:p14="http://schemas.microsoft.com/office/powerpoint/2010/main" Requires="p159">
+      <p:transition p14:dur="2000" advClick="1"/>
+    </mc:Choice>
+    <mc:Fallback>
+      <p:transition advClick="1"/>
+    </mc:Fallback>
+  </mc:AlternateContent>
+</p:sld>
+</file>
+
+<file path=ppt/slides/slide18.xml><?xml version="1.0" encoding="utf-8"?>
+<p:sld xmlns:a="http://schemas.openxmlformats.org/drawingml/2006/main" xmlns:r="http://schemas.openxmlformats.org/officeDocument/2006/relationships" xmlns:p="http://schemas.openxmlformats.org/presentationml/2006/main" xmlns:m="http://schemas.openxmlformats.org/officeDocument/2006/math" xmlns:w="http://schemas.openxmlformats.org/wordprocessingml/2006/main" showMasterPhAnim="0" show="1">
+  <p:cSld name="">
+    <p:bg>
+      <p:bgPr shadeToTitle="0">
+        <a:blipFill>
+          <a:blip r:embed="rId3">
+            <a:alphaModFix amt="23000"/>
+          </a:blip>
+          <a:stretch/>
+        </a:blipFill>
+      </p:bgPr>
+    </p:bg>
+    <p:spTree>
+      <p:nvGrpSpPr>
+        <p:cNvPr id="1" name=""/>
+        <p:cNvGrpSpPr/>
+        <p:nvPr/>
+      </p:nvGrpSpPr>
+      <p:grpSpPr bwMode="auto">
+        <a:xfrm>
+          <a:off x="0" y="0"/>
+          <a:ext cx="0" cy="0"/>
+          <a:chOff x="0" y="0"/>
+          <a:chExt cx="0" cy="0"/>
+        </a:xfrm>
+      </p:grpSpPr>
+      <p:sp>
+        <p:nvSpPr>
+          <p:cNvPr id="1654480461" name="Title 1"/>
+          <p:cNvSpPr>
+            <a:spLocks noGrp="1"/>
+          </p:cNvSpPr>
+          <p:nvPr>
+            <p:ph type="title"/>
+          </p:nvPr>
+        </p:nvSpPr>
+        <p:spPr bwMode="auto"/>
+        <p:txBody>
+          <a:bodyPr/>
+          <a:lstStyle/>
+          <a:p>
+            <a:pPr>
+              <a:defRPr/>
+            </a:pPr>
+            <a:r>
+              <a:rPr/>
+              <a:t>Bonus - Debugger w terminalu</a:t>
+            </a:r>
+            <a:endParaRPr/>
+          </a:p>
+        </p:txBody>
+      </p:sp>
+      <p:sp>
+        <p:nvSpPr>
+          <p:cNvPr id="423996534" name="Content Placeholder 2"/>
+          <p:cNvSpPr>
+            <a:spLocks noGrp="1"/>
+          </p:cNvSpPr>
+          <p:nvPr>
+            <p:ph idx="1"/>
+          </p:nvPr>
+        </p:nvSpPr>
+        <p:spPr bwMode="auto"/>
+        <p:txBody>
+          <a:bodyPr/>
+          <a:lstStyle/>
+          <a:p>
+            <a:pPr>
+              <a:defRPr/>
+            </a:pPr>
+            <a:endParaRPr/>
+          </a:p>
+        </p:txBody>
+      </p:sp>
+    </p:spTree>
+  </p:cSld>
+  <p:clrMapOvr>
+    <a:masterClrMapping/>
+  </p:clrMapOvr>
+  <mc:AlternateContent xmlns:mc="http://schemas.openxmlformats.org/markup-compatibility/2006">
+    <mc:Choice xmlns:p159="http://schemas.microsoft.com/office/powerpoint/2015/09/main" xmlns:p14="http://schemas.microsoft.com/office/powerpoint/2010/main" Requires="p159">
+      <p:transition p14:dur="2000" advClick="1"/>
+    </mc:Choice>
+    <mc:Fallback>
+      <p:transition advClick="1"/>
+    </mc:Fallback>
+  </mc:AlternateContent>
+</p:sld>
+</file>
+
+<file path=ppt/slides/slide19.xml><?xml version="1.0" encoding="utf-8"?>
+<p:sld xmlns:a="http://schemas.openxmlformats.org/drawingml/2006/main" xmlns:r="http://schemas.openxmlformats.org/officeDocument/2006/relationships" xmlns:p="http://schemas.openxmlformats.org/presentationml/2006/main" xmlns:m="http://schemas.openxmlformats.org/officeDocument/2006/math" xmlns:w="http://schemas.openxmlformats.org/wordprocessingml/2006/main" showMasterPhAnim="0" show="1">
+  <p:cSld name="">
+    <p:bg>
+      <p:bgPr shadeToTitle="0">
+        <a:blipFill>
+          <a:blip r:embed="rId3">
+            <a:alphaModFix amt="23000"/>
+          </a:blip>
+          <a:stretch/>
+        </a:blipFill>
+      </p:bgPr>
+    </p:bg>
+    <p:spTree>
+      <p:nvGrpSpPr>
+        <p:cNvPr id="1" name=""/>
+        <p:cNvGrpSpPr/>
+        <p:nvPr/>
+      </p:nvGrpSpPr>
+      <p:grpSpPr bwMode="auto">
+        <a:xfrm>
+          <a:off x="0" y="0"/>
+          <a:ext cx="0" cy="0"/>
+          <a:chOff x="0" y="0"/>
+          <a:chExt cx="0" cy="0"/>
+        </a:xfrm>
+      </p:grpSpPr>
+      <p:sp>
+        <p:nvSpPr>
+          <p:cNvPr id="574940979" name="Title 1"/>
+          <p:cNvSpPr>
+            <a:spLocks noGrp="1"/>
+          </p:cNvSpPr>
+          <p:nvPr>
+            <p:ph type="title"/>
+          </p:nvPr>
+        </p:nvSpPr>
+        <p:spPr bwMode="auto"/>
+        <p:txBody>
+          <a:bodyPr/>
+          <a:lstStyle/>
+          <a:p>
+            <a:pPr>
+              <a:defRPr/>
+            </a:pPr>
+            <a:r>
+              <a:rPr/>
+              <a:t>Źródła</a:t>
+            </a:r>
+            <a:endParaRPr/>
+          </a:p>
+        </p:txBody>
+      </p:sp>
+      <p:sp>
+        <p:nvSpPr>
+          <p:cNvPr id="470557188" name="Content Placeholder 2"/>
+          <p:cNvSpPr>
+            <a:spLocks noGrp="1"/>
+          </p:cNvSpPr>
+          <p:nvPr>
+            <p:ph idx="1"/>
+          </p:nvPr>
+        </p:nvSpPr>
+        <p:spPr bwMode="auto"/>
+        <p:txBody>
+          <a:bodyPr/>
+          <a:lstStyle/>
+          <a:p>
+            <a:pPr marL="0" indent="0">
+              <a:buFont typeface="Arial"/>
+              <a:buNone/>
+              <a:defRPr/>
+            </a:pPr>
+            <a:r>
+              <a:rPr lang="pl-PL" sz="2800" b="0" i="0" u="sng" strike="noStrike" cap="none" spc="0">
+                <a:solidFill>
+                  <a:schemeClr val="tx1"/>
+                </a:solidFill>
+                <a:latin typeface="Arial"/>
+                <a:ea typeface="Arial"/>
+                <a:cs typeface="Arial"/>
+                <a:hlinkClick r:id="rId4" tooltip="http://www.jetbrains.com/help/pycharm"/>
+              </a:rPr>
+              <a:t>https://icon-icons.com/icon/open-file/40455</a:t>
+            </a:r>
+            <a:br>
+              <a:rPr lang="pl-PL" sz="2800" b="0" i="0" u="sng" strike="noStrike" cap="none" spc="0">
+                <a:solidFill>
+                  <a:schemeClr val="tx1"/>
+                </a:solidFill>
+                <a:latin typeface="Arial"/>
+                <a:ea typeface="Arial"/>
+                <a:cs typeface="Arial"/>
+                <a:hlinkClick r:id="rId4" tooltip="http://www.jetbrains.com/help/pycharm"/>
+              </a:rPr>
+            </a:br>
+            <a:r>
+              <a:rPr lang="pl-PL" sz="2800" b="0" i="0" u="sng" strike="noStrike" cap="none" spc="0">
+                <a:solidFill>
+                  <a:schemeClr val="tx1"/>
+                </a:solidFill>
+                <a:latin typeface="Arial"/>
+                <a:ea typeface="Arial"/>
+                <a:cs typeface="Arial"/>
+                <a:hlinkClick r:id="rId4" tooltip="http://www.jetbrains.com/help/pycharm"/>
+              </a:rPr>
+              <a:t>www.jetbrains.com/help/pycharm</a:t>
+            </a:r>
+            <a:endParaRPr/>
+          </a:p>
+          <a:p>
+            <a:pPr marL="0" indent="0">
+              <a:buFont typeface="Arial"/>
+              <a:buNone/>
+              <a:defRPr/>
+            </a:pPr>
+            <a:r>
+              <a:rPr lang="pl-PL" sz="2800" b="0" i="0" u="sng" strike="noStrike" cap="none" spc="0">
+                <a:solidFill>
+                  <a:schemeClr val="tx1"/>
+                </a:solidFill>
+                <a:latin typeface="Arial"/>
+                <a:ea typeface="Arial"/>
+                <a:cs typeface="Arial"/>
+                <a:hlinkClick r:id="rId5" tooltip="https://docs.python.org/3/"/>
+              </a:rPr>
+              <a:t>https://docs.python.org/3/</a:t>
+            </a:r>
+            <a:r>
+              <a:rPr lang="pl-PL" sz="2800" b="0" i="0" u="sng" strike="noStrike" cap="none" spc="0">
+                <a:solidFill>
+                  <a:schemeClr val="tx1"/>
+                </a:solidFill>
+                <a:latin typeface="Arial"/>
+                <a:ea typeface="Arial"/>
+                <a:cs typeface="Arial"/>
+                <a:hlinkClick r:id="rId5" tooltip="https://docs.python.org/3/"/>
+              </a:rPr>
+              <a:t>https://icon-icons.com/icon/open-file/40455</a:t>
+            </a:r>
+            <a:br>
+              <a:rPr lang="pl-PL" sz="2800" b="0" i="0" u="sng" strike="noStrike" cap="none" spc="0">
+                <a:solidFill>
+                  <a:schemeClr val="tx1"/>
+                </a:solidFill>
+                <a:latin typeface="Arial"/>
+                <a:ea typeface="Arial"/>
+                <a:cs typeface="Arial"/>
+                <a:hlinkClick r:id="rId5" tooltip="https://docs.python.org/3/"/>
+              </a:rPr>
+            </a:br>
+            <a:br>
+              <a:rPr lang="pl-PL" sz="2800" b="0" i="0" u="sng" strike="noStrike" cap="none" spc="0">
+                <a:solidFill>
+                  <a:schemeClr val="tx1"/>
+                </a:solidFill>
+                <a:latin typeface="Arial"/>
+                <a:ea typeface="Arial"/>
+                <a:cs typeface="Arial"/>
+                <a:hlinkClick r:id="rId5" tooltip="https://docs.python.org/3/"/>
+              </a:rPr>
+            </a:br>
             <a:endParaRPr/>
           </a:p>
         </p:txBody>
@@ -5786,7 +7610,7 @@
           </a:bodyPr>
           <a:lstStyle/>
           <a:p>
-            <a:pPr>
+            <a:pPr algn="l">
               <a:defRPr/>
             </a:pPr>
             <a:r>
@@ -5796,7 +7620,7 @@
             <a:endParaRPr/>
           </a:p>
           <a:p>
-            <a:pPr lvl="1">
+            <a:pPr lvl="1" algn="l">
               <a:defRPr/>
             </a:pPr>
             <a:r>
@@ -5806,7 +7630,7 @@
             <a:endParaRPr/>
           </a:p>
           <a:p>
-            <a:pPr lvl="1">
+            <a:pPr lvl="1" algn="l">
               <a:defRPr/>
             </a:pPr>
             <a:r>
@@ -5816,7 +7640,7 @@
             <a:endParaRPr/>
           </a:p>
           <a:p>
-            <a:pPr lvl="1">
+            <a:pPr lvl="1" algn="l">
               <a:defRPr/>
             </a:pPr>
             <a:r>
@@ -5826,13 +7650,13 @@
             <a:endParaRPr/>
           </a:p>
           <a:p>
-            <a:pPr lvl="1">
-              <a:defRPr/>
-            </a:pPr>
-            <a:endParaRPr/>
-          </a:p>
-          <a:p>
-            <a:pPr lvl="0">
+            <a:pPr lvl="1" algn="l">
+              <a:defRPr/>
+            </a:pPr>
+            <a:endParaRPr/>
+          </a:p>
+          <a:p>
+            <a:pPr lvl="0" algn="l">
               <a:defRPr/>
             </a:pPr>
             <a:r>
@@ -5842,7 +7666,7 @@
             <a:endParaRPr/>
           </a:p>
           <a:p>
-            <a:pPr lvl="1">
+            <a:pPr lvl="1" algn="l">
               <a:defRPr/>
             </a:pPr>
             <a:r>
@@ -5852,7 +7676,7 @@
             <a:endParaRPr/>
           </a:p>
           <a:p>
-            <a:pPr lvl="1">
+            <a:pPr lvl="1" algn="l">
               <a:defRPr/>
             </a:pPr>
             <a:r>
@@ -5862,7 +7686,7 @@
             <a:endParaRPr/>
           </a:p>
           <a:p>
-            <a:pPr lvl="1">
+            <a:pPr lvl="1" algn="l">
               <a:defRPr/>
             </a:pPr>
             <a:r>
@@ -6040,7 +7864,7 @@
         <p:spPr bwMode="auto">
           <a:xfrm flipH="0" flipV="0">
             <a:off x="6899635" y="1904999"/>
-            <a:ext cx="5165024" cy="3780974"/>
+            <a:ext cx="5165024" cy="3780973"/>
           </a:xfrm>
           <a:prstGeom prst="rect">
             <a:avLst/>
@@ -6290,7 +8114,7 @@
           <a:bodyPr/>
           <a:lstStyle/>
           <a:p>
-            <a:pPr>
+            <a:pPr algn="just">
               <a:defRPr/>
             </a:pPr>
             <a:r>
@@ -6300,7 +8124,7 @@
             <a:endParaRPr/>
           </a:p>
           <a:p>
-            <a:pPr>
+            <a:pPr algn="just">
               <a:defRPr/>
             </a:pPr>
             <a:r>
@@ -6310,7 +8134,7 @@
             <a:endParaRPr/>
           </a:p>
           <a:p>
-            <a:pPr>
+            <a:pPr algn="just">
               <a:defRPr/>
             </a:pPr>
             <a:r>

--- a/prezentacje/prezentacja1.pptx
+++ b/prezentacje/prezentacja1.pptx
@@ -5,7 +5,7 @@
     <p:sldMasterId id="2147483648" r:id="rId1"/>
   </p:sldMasterIdLst>
   <p:notesMasterIdLst>
-    <p:notesMasterId r:id="rId23"/>
+    <p:notesMasterId r:id="rId22"/>
   </p:notesMasterIdLst>
   <p:sldIdLst>
     <p:sldId id="256" r:id="rId4"/>
@@ -26,7 +26,6 @@
     <p:sldId id="271" r:id="rId19"/>
     <p:sldId id="272" r:id="rId20"/>
     <p:sldId id="273" r:id="rId21"/>
-    <p:sldId id="274" r:id="rId22"/>
   </p:sldIdLst>
   <p:sldSz cx="12192000" cy="6858000"/>
   <p:notesSz cx="6858000" cy="9144000"/>
@@ -1249,88 +1248,6 @@
 </file>
 
 <file path=ppt/notesSlides/notesSlide18.xml><?xml version="1.0" encoding="utf-8"?>
-<p:notes xmlns:a="http://schemas.openxmlformats.org/drawingml/2006/main" xmlns:r="http://schemas.openxmlformats.org/officeDocument/2006/relationships" xmlns:p="http://schemas.openxmlformats.org/presentationml/2006/main" xmlns:m="http://schemas.openxmlformats.org/officeDocument/2006/math" xmlns:w="http://schemas.openxmlformats.org/wordprocessingml/2006/main">
-  <p:cSld name="">
-    <p:spTree>
-      <p:nvGrpSpPr>
-        <p:cNvPr id="1" name=""/>
-        <p:cNvGrpSpPr/>
-        <p:nvPr/>
-      </p:nvGrpSpPr>
-      <p:grpSpPr bwMode="auto">
-        <a:xfrm>
-          <a:off x="0" y="0"/>
-          <a:ext cx="0" cy="0"/>
-          <a:chOff x="0" y="0"/>
-          <a:chExt cx="0" cy="0"/>
-        </a:xfrm>
-      </p:grpSpPr>
-      <p:sp>
-        <p:nvSpPr>
-          <p:cNvPr id="212933573" name="Slide Image Placeholder 1"/>
-          <p:cNvSpPr>
-            <a:spLocks noChangeAspect="1" noGrp="1" noRot="1"/>
-          </p:cNvSpPr>
-          <p:nvPr>
-            <p:ph type="sldImg"/>
-          </p:nvPr>
-        </p:nvSpPr>
-        <p:spPr bwMode="auto"/>
-      </p:sp>
-      <p:sp>
-        <p:nvSpPr>
-          <p:cNvPr id="1603658808" name="Notes Placeholder 2"/>
-          <p:cNvSpPr>
-            <a:spLocks noGrp="1"/>
-          </p:cNvSpPr>
-          <p:nvPr>
-            <p:ph type="body" idx="1"/>
-          </p:nvPr>
-        </p:nvSpPr>
-        <p:spPr bwMode="auto"/>
-        <p:txBody>
-          <a:bodyPr/>
-          <a:lstStyle/>
-          <a:p>
-            <a:pPr>
-              <a:defRPr/>
-            </a:pPr>
-            <a:endParaRPr/>
-          </a:p>
-        </p:txBody>
-      </p:sp>
-      <p:sp>
-        <p:nvSpPr>
-          <p:cNvPr id="766098335" name="Slide Number Placeholder 3"/>
-          <p:cNvSpPr>
-            <a:spLocks noGrp="1"/>
-          </p:cNvSpPr>
-          <p:nvPr>
-            <p:ph type="sldNum" sz="quarter" idx="10"/>
-          </p:nvPr>
-        </p:nvSpPr>
-        <p:spPr bwMode="auto"/>
-        <p:txBody>
-          <a:bodyPr/>
-          <a:lstStyle/>
-          <a:p>
-            <a:pPr>
-              <a:defRPr/>
-            </a:pPr>
-            <a:fld id="{501CFEA3-08CB-F92F-1293-534CE0D24112}" type="slidenum">
-              <a:rPr/>
-              <a:t/>
-            </a:fld>
-            <a:endParaRPr/>
-          </a:p>
-        </p:txBody>
-      </p:sp>
-    </p:spTree>
-  </p:cSld>
-</p:notes>
-</file>
-
-<file path=ppt/notesSlides/notesSlide19.xml><?xml version="1.0" encoding="utf-8"?>
 <p:notes xmlns:a="http://schemas.openxmlformats.org/drawingml/2006/main" xmlns:r="http://schemas.openxmlformats.org/officeDocument/2006/relationships" xmlns:p="http://schemas.openxmlformats.org/presentationml/2006/main" xmlns:m="http://schemas.openxmlformats.org/officeDocument/2006/math" xmlns:w="http://schemas.openxmlformats.org/wordprocessingml/2006/main">
   <p:cSld name="">
     <p:spTree>
@@ -5179,8 +5096,8 @@
         </p:nvSpPr>
         <p:spPr bwMode="auto">
           <a:xfrm flipH="0" flipV="0">
-            <a:off x="1431523" y="1744792"/>
-            <a:ext cx="9144000" cy="1910995"/>
+            <a:off x="2221499" y="1744791"/>
+            <a:ext cx="7749000" cy="1910994"/>
           </a:xfrm>
           <a:prstGeom prst="roundRect">
             <a:avLst>
@@ -5210,7 +5127,7 @@
               <a:defRPr/>
             </a:pPr>
             <a:r>
-              <a:rPr lang="en-US">
+              <a:rPr lang="pl-PL">
                 <a:ln w="12700">
                   <a:solidFill>
                     <a:schemeClr val="accent6"/>
@@ -5223,7 +5140,7 @@
                   </a:schemeClr>
                 </a:solidFill>
               </a:rPr>
-              <a:t>ZADANIA MATURALNE</a:t>
+              <a:t>MATURA</a:t>
             </a:r>
             <a:endParaRPr>
               <a:solidFill>
@@ -6701,97 +6618,6 @@
 </file>
 
 <file path=ppt/slides/slide18.xml><?xml version="1.0" encoding="utf-8"?>
-<p:sld xmlns:a="http://schemas.openxmlformats.org/drawingml/2006/main" xmlns:r="http://schemas.openxmlformats.org/officeDocument/2006/relationships" xmlns:p="http://schemas.openxmlformats.org/presentationml/2006/main" xmlns:m="http://schemas.openxmlformats.org/officeDocument/2006/math" xmlns:w="http://schemas.openxmlformats.org/wordprocessingml/2006/main" showMasterPhAnim="0" show="1">
-  <p:cSld name="">
-    <p:bg>
-      <p:bgPr shadeToTitle="0">
-        <a:blipFill>
-          <a:blip r:embed="rId3">
-            <a:alphaModFix amt="23000"/>
-          </a:blip>
-          <a:stretch/>
-        </a:blipFill>
-      </p:bgPr>
-    </p:bg>
-    <p:spTree>
-      <p:nvGrpSpPr>
-        <p:cNvPr id="1" name=""/>
-        <p:cNvGrpSpPr/>
-        <p:nvPr/>
-      </p:nvGrpSpPr>
-      <p:grpSpPr bwMode="auto">
-        <a:xfrm>
-          <a:off x="0" y="0"/>
-          <a:ext cx="0" cy="0"/>
-          <a:chOff x="0" y="0"/>
-          <a:chExt cx="0" cy="0"/>
-        </a:xfrm>
-      </p:grpSpPr>
-      <p:sp>
-        <p:nvSpPr>
-          <p:cNvPr id="1654480461" name="Title 1"/>
-          <p:cNvSpPr>
-            <a:spLocks noGrp="1"/>
-          </p:cNvSpPr>
-          <p:nvPr>
-            <p:ph type="title"/>
-          </p:nvPr>
-        </p:nvSpPr>
-        <p:spPr bwMode="auto"/>
-        <p:txBody>
-          <a:bodyPr/>
-          <a:lstStyle/>
-          <a:p>
-            <a:pPr>
-              <a:defRPr/>
-            </a:pPr>
-            <a:r>
-              <a:rPr/>
-              <a:t>Bonus - Debugger w terminalu</a:t>
-            </a:r>
-            <a:endParaRPr/>
-          </a:p>
-        </p:txBody>
-      </p:sp>
-      <p:sp>
-        <p:nvSpPr>
-          <p:cNvPr id="423996534" name="Content Placeholder 2"/>
-          <p:cNvSpPr>
-            <a:spLocks noGrp="1"/>
-          </p:cNvSpPr>
-          <p:nvPr>
-            <p:ph idx="1"/>
-          </p:nvPr>
-        </p:nvSpPr>
-        <p:spPr bwMode="auto"/>
-        <p:txBody>
-          <a:bodyPr/>
-          <a:lstStyle/>
-          <a:p>
-            <a:pPr>
-              <a:defRPr/>
-            </a:pPr>
-            <a:endParaRPr/>
-          </a:p>
-        </p:txBody>
-      </p:sp>
-    </p:spTree>
-  </p:cSld>
-  <p:clrMapOvr>
-    <a:masterClrMapping/>
-  </p:clrMapOvr>
-  <mc:AlternateContent xmlns:mc="http://schemas.openxmlformats.org/markup-compatibility/2006">
-    <mc:Choice xmlns:p159="http://schemas.microsoft.com/office/powerpoint/2015/09/main" xmlns:p14="http://schemas.microsoft.com/office/powerpoint/2010/main" Requires="p159">
-      <p:transition p14:dur="2000" advClick="1"/>
-    </mc:Choice>
-    <mc:Fallback>
-      <p:transition advClick="1"/>
-    </mc:Fallback>
-  </mc:AlternateContent>
-</p:sld>
-</file>
-
-<file path=ppt/slides/slide19.xml><?xml version="1.0" encoding="utf-8"?>
 <p:sld xmlns:a="http://schemas.openxmlformats.org/drawingml/2006/main" xmlns:r="http://schemas.openxmlformats.org/officeDocument/2006/relationships" xmlns:p="http://schemas.openxmlformats.org/presentationml/2006/main" xmlns:m="http://schemas.openxmlformats.org/officeDocument/2006/math" xmlns:w="http://schemas.openxmlformats.org/wordprocessingml/2006/main" showMasterPhAnim="0" show="1">
   <p:cSld name="">
     <p:bg>

--- a/prezentacje/prezentacja1.pptx
+++ b/prezentacje/prezentacja1.pptx
@@ -5461,7 +5461,7 @@
         </p:nvSpPr>
         <p:spPr bwMode="auto">
           <a:xfrm flipH="0" flipV="0">
-            <a:off x="838199" y="1825624"/>
+            <a:off x="838198" y="1825624"/>
             <a:ext cx="6488277" cy="4351338"/>
           </a:xfrm>
         </p:spPr>
@@ -6081,7 +6081,7 @@
         </p:nvPicPr>
         <p:blipFill>
           <a:blip r:embed="rId4"/>
-          <a:srcRect l="0" t="15440" r="11365" b="0"/>
+          <a:srcRect l="0" t="15440" r="11364" b="0"/>
           <a:stretch/>
         </p:blipFill>
         <p:spPr bwMode="auto">
